--- a/MySQL实战/14count()这么慢，我该怎么办？.pptx
+++ b/MySQL实战/14count()这么慢，我该怎么办？.pptx
@@ -5,16 +5,13 @@
     <p:sldMasterId id="2147483678" r:id="rId1"/>
   </p:sldMasterIdLst>
   <p:notesMasterIdLst>
-    <p:notesMasterId r:id="rId9"/>
+    <p:notesMasterId r:id="rId6"/>
   </p:notesMasterIdLst>
   <p:sldIdLst>
     <p:sldId id="256" r:id="rId2"/>
     <p:sldId id="258" r:id="rId3"/>
     <p:sldId id="259" r:id="rId4"/>
     <p:sldId id="260" r:id="rId5"/>
-    <p:sldId id="261" r:id="rId6"/>
-    <p:sldId id="263" r:id="rId7"/>
-    <p:sldId id="262" r:id="rId8"/>
   </p:sldIdLst>
   <p:sldSz cx="12192000" cy="6858000"/>
   <p:notesSz cx="6858000" cy="9144000"/>
@@ -203,7 +200,7 @@
           <a:p>
             <a:fld id="{A900F2CD-AD8F-46FC-AAAB-A0D218D6826F}" type="datetimeFigureOut">
               <a:rPr lang="zh-CN" altLang="en-US" smtClean="0"/>
-              <a:t>2019/5/16</a:t>
+              <a:t>2019/5/21</a:t>
             </a:fld>
             <a:endParaRPr lang="zh-CN" altLang="en-US"/>
           </a:p>
@@ -657,7 +654,7 @@
           <a:p>
             <a:fld id="{E396512D-F96B-4538-B91A-F7EB57A489A0}" type="datetimeFigureOut">
               <a:rPr lang="zh-CN" altLang="en-US" smtClean="0"/>
-              <a:t>2019/5/16</a:t>
+              <a:t>2019/5/21</a:t>
             </a:fld>
             <a:endParaRPr lang="zh-CN" altLang="en-US"/>
           </a:p>
@@ -932,7 +929,7 @@
           <a:p>
             <a:fld id="{E396512D-F96B-4538-B91A-F7EB57A489A0}" type="datetimeFigureOut">
               <a:rPr lang="zh-CN" altLang="en-US" smtClean="0"/>
-              <a:t>2019/5/16</a:t>
+              <a:t>2019/5/21</a:t>
             </a:fld>
             <a:endParaRPr lang="zh-CN" altLang="en-US"/>
           </a:p>
@@ -1126,7 +1123,7 @@
           <a:p>
             <a:fld id="{E396512D-F96B-4538-B91A-F7EB57A489A0}" type="datetimeFigureOut">
               <a:rPr lang="zh-CN" altLang="en-US" smtClean="0"/>
-              <a:t>2019/5/16</a:t>
+              <a:t>2019/5/21</a:t>
             </a:fld>
             <a:endParaRPr lang="zh-CN" altLang="en-US"/>
           </a:p>
@@ -1399,7 +1396,7 @@
           <a:p>
             <a:fld id="{E396512D-F96B-4538-B91A-F7EB57A489A0}" type="datetimeFigureOut">
               <a:rPr lang="zh-CN" altLang="en-US" smtClean="0"/>
-              <a:t>2019/5/16</a:t>
+              <a:t>2019/5/21</a:t>
             </a:fld>
             <a:endParaRPr lang="zh-CN" altLang="en-US"/>
           </a:p>
@@ -1740,7 +1737,7 @@
           <a:p>
             <a:fld id="{E396512D-F96B-4538-B91A-F7EB57A489A0}" type="datetimeFigureOut">
               <a:rPr lang="zh-CN" altLang="en-US" smtClean="0"/>
-              <a:t>2019/5/16</a:t>
+              <a:t>2019/5/21</a:t>
             </a:fld>
             <a:endParaRPr lang="zh-CN" altLang="en-US"/>
           </a:p>
@@ -2363,7 +2360,7 @@
           <a:p>
             <a:fld id="{E396512D-F96B-4538-B91A-F7EB57A489A0}" type="datetimeFigureOut">
               <a:rPr lang="zh-CN" altLang="en-US" smtClean="0"/>
-              <a:t>2019/5/16</a:t>
+              <a:t>2019/5/21</a:t>
             </a:fld>
             <a:endParaRPr lang="zh-CN" altLang="en-US"/>
           </a:p>
@@ -3223,7 +3220,7 @@
           <a:p>
             <a:fld id="{E396512D-F96B-4538-B91A-F7EB57A489A0}" type="datetimeFigureOut">
               <a:rPr lang="zh-CN" altLang="en-US" smtClean="0"/>
-              <a:t>2019/5/16</a:t>
+              <a:t>2019/5/21</a:t>
             </a:fld>
             <a:endParaRPr lang="zh-CN" altLang="en-US"/>
           </a:p>
@@ -3393,7 +3390,7 @@
           <a:p>
             <a:fld id="{E396512D-F96B-4538-B91A-F7EB57A489A0}" type="datetimeFigureOut">
               <a:rPr lang="zh-CN" altLang="en-US" smtClean="0"/>
-              <a:t>2019/5/16</a:t>
+              <a:t>2019/5/21</a:t>
             </a:fld>
             <a:endParaRPr lang="zh-CN" altLang="en-US"/>
           </a:p>
@@ -3573,7 +3570,7 @@
           <a:p>
             <a:fld id="{E396512D-F96B-4538-B91A-F7EB57A489A0}" type="datetimeFigureOut">
               <a:rPr lang="zh-CN" altLang="en-US" smtClean="0"/>
-              <a:t>2019/5/16</a:t>
+              <a:t>2019/5/21</a:t>
             </a:fld>
             <a:endParaRPr lang="zh-CN" altLang="en-US"/>
           </a:p>
@@ -3743,7 +3740,7 @@
           <a:p>
             <a:fld id="{E396512D-F96B-4538-B91A-F7EB57A489A0}" type="datetimeFigureOut">
               <a:rPr lang="zh-CN" altLang="en-US" smtClean="0"/>
-              <a:t>2019/5/16</a:t>
+              <a:t>2019/5/21</a:t>
             </a:fld>
             <a:endParaRPr lang="zh-CN" altLang="en-US"/>
           </a:p>
@@ -3990,7 +3987,7 @@
           <a:p>
             <a:fld id="{E396512D-F96B-4538-B91A-F7EB57A489A0}" type="datetimeFigureOut">
               <a:rPr lang="zh-CN" altLang="en-US" smtClean="0"/>
-              <a:t>2019/5/16</a:t>
+              <a:t>2019/5/21</a:t>
             </a:fld>
             <a:endParaRPr lang="zh-CN" altLang="en-US"/>
           </a:p>
@@ -4282,7 +4279,7 @@
           <a:p>
             <a:fld id="{E396512D-F96B-4538-B91A-F7EB57A489A0}" type="datetimeFigureOut">
               <a:rPr lang="zh-CN" altLang="en-US" smtClean="0"/>
-              <a:t>2019/5/16</a:t>
+              <a:t>2019/5/21</a:t>
             </a:fld>
             <a:endParaRPr lang="zh-CN" altLang="en-US"/>
           </a:p>
@@ -4726,7 +4723,7 @@
           <a:p>
             <a:fld id="{E396512D-F96B-4538-B91A-F7EB57A489A0}" type="datetimeFigureOut">
               <a:rPr lang="zh-CN" altLang="en-US" smtClean="0"/>
-              <a:t>2019/5/16</a:t>
+              <a:t>2019/5/21</a:t>
             </a:fld>
             <a:endParaRPr lang="zh-CN" altLang="en-US"/>
           </a:p>
@@ -4844,7 +4841,7 @@
           <a:p>
             <a:fld id="{E396512D-F96B-4538-B91A-F7EB57A489A0}" type="datetimeFigureOut">
               <a:rPr lang="zh-CN" altLang="en-US" smtClean="0"/>
-              <a:t>2019/5/16</a:t>
+              <a:t>2019/5/21</a:t>
             </a:fld>
             <a:endParaRPr lang="zh-CN" altLang="en-US"/>
           </a:p>
@@ -4939,7 +4936,7 @@
           <a:p>
             <a:fld id="{E396512D-F96B-4538-B91A-F7EB57A489A0}" type="datetimeFigureOut">
               <a:rPr lang="zh-CN" altLang="en-US" smtClean="0"/>
-              <a:t>2019/5/16</a:t>
+              <a:t>2019/5/21</a:t>
             </a:fld>
             <a:endParaRPr lang="zh-CN" altLang="en-US"/>
           </a:p>
@@ -5218,7 +5215,7 @@
           <a:p>
             <a:fld id="{E396512D-F96B-4538-B91A-F7EB57A489A0}" type="datetimeFigureOut">
               <a:rPr lang="zh-CN" altLang="en-US" smtClean="0"/>
-              <a:t>2019/5/16</a:t>
+              <a:t>2019/5/21</a:t>
             </a:fld>
             <a:endParaRPr lang="zh-CN" altLang="en-US"/>
           </a:p>
@@ -5493,7 +5490,7 @@
           <a:p>
             <a:fld id="{E396512D-F96B-4538-B91A-F7EB57A489A0}" type="datetimeFigureOut">
               <a:rPr lang="zh-CN" altLang="en-US" smtClean="0"/>
-              <a:t>2019/5/16</a:t>
+              <a:t>2019/5/21</a:t>
             </a:fld>
             <a:endParaRPr lang="zh-CN" altLang="en-US"/>
           </a:p>
@@ -5922,7 +5919,7 @@
           <a:p>
             <a:fld id="{E396512D-F96B-4538-B91A-F7EB57A489A0}" type="datetimeFigureOut">
               <a:rPr lang="zh-CN" altLang="en-US" smtClean="0"/>
-              <a:t>2019/5/16</a:t>
+              <a:t>2019/5/21</a:t>
             </a:fld>
             <a:endParaRPr lang="zh-CN" altLang="en-US"/>
           </a:p>
@@ -6484,10 +6481,6 @@
               </a:rPr>
               <a:t>这么慢，我该怎么办？</a:t>
             </a:r>
-            <a:endParaRPr lang="zh-CN" altLang="en-US" sz="3200" b="1" dirty="0">
-              <a:latin typeface="微软雅黑" panose="020B0503020204020204" pitchFamily="34" charset="-122"/>
-              <a:ea typeface="微软雅黑" panose="020B0503020204020204" pitchFamily="34" charset="-122"/>
-            </a:endParaRPr>
           </a:p>
         </p:txBody>
       </p:sp>
@@ -6996,10 +6989,6 @@
               </a:rPr>
               <a:t>这么慢，我该怎么办？</a:t>
             </a:r>
-            <a:endParaRPr lang="zh-CN" altLang="en-US" sz="3200" b="1" dirty="0">
-              <a:latin typeface="微软雅黑" panose="020B0503020204020204" pitchFamily="34" charset="-122"/>
-              <a:ea typeface="微软雅黑" panose="020B0503020204020204" pitchFamily="34" charset="-122"/>
-            </a:endParaRPr>
           </a:p>
         </p:txBody>
       </p:sp>
@@ -7133,17 +7122,7 @@
                 <a:latin typeface="微软雅黑" panose="020B0503020204020204" pitchFamily="34" charset="-122"/>
                 <a:ea typeface="微软雅黑" panose="020B0503020204020204" pitchFamily="34" charset="-122"/>
               </a:rPr>
-              <a:t>count</a:t>
-            </a:r>
-            <a:r>
-              <a:rPr lang="en-US" altLang="zh-CN" sz="1600" dirty="0" smtClean="0">
-                <a:solidFill>
-                  <a:srgbClr val="92D050"/>
-                </a:solidFill>
-                <a:latin typeface="微软雅黑" panose="020B0503020204020204" pitchFamily="34" charset="-122"/>
-                <a:ea typeface="微软雅黑" panose="020B0503020204020204" pitchFamily="34" charset="-122"/>
-              </a:rPr>
-              <a:t>(*)</a:t>
+              <a:t>count(*)</a:t>
             </a:r>
             <a:r>
               <a:rPr lang="zh-CN" altLang="en-US" sz="1600" dirty="0" smtClean="0">
@@ -8133,17 +8112,7 @@
                 <a:latin typeface="微软雅黑" panose="020B0503020204020204" pitchFamily="34" charset="-122"/>
                 <a:ea typeface="微软雅黑" panose="020B0503020204020204" pitchFamily="34" charset="-122"/>
               </a:rPr>
-              <a:t>trx</a:t>
-            </a:r>
-            <a:r>
-              <a:rPr lang="en-US" altLang="zh-CN" sz="1400" dirty="0" err="1" smtClean="0">
-                <a:solidFill>
-                  <a:srgbClr val="FFFF00"/>
-                </a:solidFill>
-                <a:latin typeface="微软雅黑" panose="020B0503020204020204" pitchFamily="34" charset="-122"/>
-                <a:ea typeface="微软雅黑" panose="020B0503020204020204" pitchFamily="34" charset="-122"/>
-              </a:rPr>
-              <a:t>_id</a:t>
+              <a:t>trx_id</a:t>
             </a:r>
             <a:r>
               <a:rPr lang="zh-CN" altLang="en-US" sz="1400" dirty="0" smtClean="0">
@@ -9514,15 +9483,19 @@
                 <a:latin typeface="微软雅黑" panose="020B0503020204020204" pitchFamily="34" charset="-122"/>
                 <a:ea typeface="微软雅黑" panose="020B0503020204020204" pitchFamily="34" charset="-122"/>
               </a:rPr>
-              <a:t>13 | </a:t>
+              <a:t>14 | count(*)</a:t>
             </a:r>
             <a:r>
               <a:rPr lang="zh-CN" altLang="en-US" sz="3200" b="1" dirty="0">
                 <a:latin typeface="微软雅黑" panose="020B0503020204020204" pitchFamily="34" charset="-122"/>
                 <a:ea typeface="微软雅黑" panose="020B0503020204020204" pitchFamily="34" charset="-122"/>
               </a:rPr>
-              <a:t>为什么表数据删掉一半，表文件大小不变？</a:t>
-            </a:r>
+              <a:t>这么慢，我该怎么办？</a:t>
+            </a:r>
+            <a:endParaRPr lang="zh-CN" altLang="en-US" sz="3200" b="1" dirty="0">
+              <a:latin typeface="微软雅黑" panose="020B0503020204020204" pitchFamily="34" charset="-122"/>
+              <a:ea typeface="微软雅黑" panose="020B0503020204020204" pitchFamily="34" charset="-122"/>
+            </a:endParaRPr>
           </a:p>
         </p:txBody>
       </p:sp>
@@ -9673,17 +9646,7 @@
                 <a:latin typeface="微软雅黑" panose="020B0503020204020204" pitchFamily="34" charset="-122"/>
                 <a:ea typeface="微软雅黑" panose="020B0503020204020204" pitchFamily="34" charset="-122"/>
               </a:rPr>
-              <a:t>count</a:t>
-            </a:r>
-            <a:r>
-              <a:rPr lang="en-US" altLang="zh-CN" sz="1600" dirty="0" smtClean="0">
-                <a:solidFill>
-                  <a:srgbClr val="FFC000"/>
-                </a:solidFill>
-                <a:latin typeface="微软雅黑" panose="020B0503020204020204" pitchFamily="34" charset="-122"/>
-                <a:ea typeface="微软雅黑" panose="020B0503020204020204" pitchFamily="34" charset="-122"/>
-              </a:rPr>
-              <a:t>(*)</a:t>
+              <a:t>count(*)</a:t>
             </a:r>
             <a:r>
               <a:rPr lang="zh-CN" altLang="en-US" sz="1600" dirty="0" smtClean="0">
@@ -10483,14 +10446,7 @@
                 <a:latin typeface="微软雅黑" panose="020B0503020204020204" pitchFamily="34" charset="-122"/>
                 <a:ea typeface="微软雅黑" panose="020B0503020204020204" pitchFamily="34" charset="-122"/>
               </a:rPr>
-              <a:t>”动作对</a:t>
-            </a:r>
-            <a:r>
-              <a:rPr lang="zh-CN" altLang="en-US" sz="1400" dirty="0" smtClean="0">
-                <a:latin typeface="微软雅黑" panose="020B0503020204020204" pitchFamily="34" charset="-122"/>
-                <a:ea typeface="微软雅黑" panose="020B0503020204020204" pitchFamily="34" charset="-122"/>
-              </a:rPr>
-              <a:t>会话</a:t>
+              <a:t>”动作对会话</a:t>
             </a:r>
             <a:r>
               <a:rPr lang="en-US" altLang="zh-CN" sz="1400" dirty="0" smtClean="0">
@@ -10575,15 +10531,19 @@
                 <a:latin typeface="微软雅黑" panose="020B0503020204020204" pitchFamily="34" charset="-122"/>
                 <a:ea typeface="微软雅黑" panose="020B0503020204020204" pitchFamily="34" charset="-122"/>
               </a:rPr>
-              <a:t>13 | </a:t>
+              <a:t>14 | count(*)</a:t>
             </a:r>
             <a:r>
               <a:rPr lang="zh-CN" altLang="en-US" sz="3200" b="1" dirty="0">
                 <a:latin typeface="微软雅黑" panose="020B0503020204020204" pitchFamily="34" charset="-122"/>
                 <a:ea typeface="微软雅黑" panose="020B0503020204020204" pitchFamily="34" charset="-122"/>
               </a:rPr>
-              <a:t>为什么表数据删掉一半，表文件大小不变？</a:t>
-            </a:r>
+              <a:t>这么慢，我该怎么办？</a:t>
+            </a:r>
+            <a:endParaRPr lang="zh-CN" altLang="en-US" sz="3200" b="1" dirty="0">
+              <a:latin typeface="微软雅黑" panose="020B0503020204020204" pitchFamily="34" charset="-122"/>
+              <a:ea typeface="微软雅黑" panose="020B0503020204020204" pitchFamily="34" charset="-122"/>
+            </a:endParaRPr>
           </a:p>
         </p:txBody>
       </p:sp>
@@ -11735,2238 +11695,6 @@
     <p:extLst>
       <p:ext uri="{BB962C8B-B14F-4D97-AF65-F5344CB8AC3E}">
         <p14:creationId xmlns:p14="http://schemas.microsoft.com/office/powerpoint/2010/main" val="2335079337"/>
-      </p:ext>
-    </p:extLst>
-  </p:cSld>
-  <p:clrMapOvr>
-    <a:masterClrMapping/>
-  </p:clrMapOvr>
-  <p:timing>
-    <p:tnLst>
-      <p:par>
-        <p:cTn id="1" dur="indefinite" restart="never" nodeType="tmRoot"/>
-      </p:par>
-    </p:tnLst>
-  </p:timing>
-</p:sld>
-</file>
-
-<file path=ppt/slides/slide5.xml><?xml version="1.0" encoding="utf-8"?>
-<p:sld xmlns:a="http://schemas.openxmlformats.org/drawingml/2006/main" xmlns:r="http://schemas.openxmlformats.org/officeDocument/2006/relationships" xmlns:p="http://schemas.openxmlformats.org/presentationml/2006/main">
-  <p:cSld>
-    <p:spTree>
-      <p:nvGrpSpPr>
-        <p:cNvPr id="1" name=""/>
-        <p:cNvGrpSpPr/>
-        <p:nvPr/>
-      </p:nvGrpSpPr>
-      <p:grpSpPr>
-        <a:xfrm>
-          <a:off x="0" y="0"/>
-          <a:ext cx="0" cy="0"/>
-          <a:chOff x="0" y="0"/>
-          <a:chExt cx="0" cy="0"/>
-        </a:xfrm>
-      </p:grpSpPr>
-      <p:sp>
-        <p:nvSpPr>
-          <p:cNvPr id="2" name="标题 1"/>
-          <p:cNvSpPr>
-            <a:spLocks noGrp="1"/>
-          </p:cNvSpPr>
-          <p:nvPr>
-            <p:ph type="title"/>
-          </p:nvPr>
-        </p:nvSpPr>
-        <p:spPr>
-          <a:xfrm>
-            <a:off x="114300" y="152400"/>
-            <a:ext cx="11149057" cy="602359"/>
-          </a:xfrm>
-        </p:spPr>
-        <p:txBody>
-          <a:bodyPr/>
-          <a:lstStyle/>
-          <a:p>
-            <a:r>
-              <a:rPr lang="en-US" altLang="zh-CN" sz="3200" b="1" dirty="0">
-                <a:latin typeface="微软雅黑" panose="020B0503020204020204" pitchFamily="34" charset="-122"/>
-                <a:ea typeface="微软雅黑" panose="020B0503020204020204" pitchFamily="34" charset="-122"/>
-              </a:rPr>
-              <a:t>13 | </a:t>
-            </a:r>
-            <a:r>
-              <a:rPr lang="zh-CN" altLang="en-US" sz="3200" b="1" dirty="0">
-                <a:latin typeface="微软雅黑" panose="020B0503020204020204" pitchFamily="34" charset="-122"/>
-                <a:ea typeface="微软雅黑" panose="020B0503020204020204" pitchFamily="34" charset="-122"/>
-              </a:rPr>
-              <a:t>为什么表数据删掉一半，表文件大小不变？</a:t>
-            </a:r>
-          </a:p>
-        </p:txBody>
-      </p:sp>
-      <p:sp>
-        <p:nvSpPr>
-          <p:cNvPr id="7" name="文本框 6"/>
-          <p:cNvSpPr txBox="1"/>
-          <p:nvPr/>
-        </p:nvSpPr>
-        <p:spPr>
-          <a:xfrm>
-            <a:off x="114300" y="842111"/>
-            <a:ext cx="877163" cy="369332"/>
-          </a:xfrm>
-          <a:prstGeom prst="rect">
-            <a:avLst/>
-          </a:prstGeom>
-          <a:noFill/>
-        </p:spPr>
-        <p:txBody>
-          <a:bodyPr wrap="none">
-            <a:spAutoFit/>
-            <a:scene3d>
-              <a:camera prst="orthographicFront"/>
-              <a:lightRig rig="harsh" dir="t"/>
-            </a:scene3d>
-            <a:sp3d extrusionH="57150" prstMaterial="matte">
-              <a:bevelT w="63500" h="12700" prst="angle"/>
-              <a:contourClr>
-                <a:schemeClr val="bg1">
-                  <a:lumMod val="65000"/>
-                </a:schemeClr>
-              </a:contourClr>
-            </a:sp3d>
-          </a:bodyPr>
-          <a:lstStyle/>
-          <a:p>
-            <a:pPr>
-              <a:defRPr/>
-            </a:pPr>
-            <a:r>
-              <a:rPr lang="zh-CN" altLang="en-US" b="1" dirty="0" smtClean="0">
-                <a:ln/>
-                <a:solidFill>
-                  <a:srgbClr val="4FD1FF"/>
-                </a:solidFill>
-                <a:latin typeface="微软雅黑" panose="020B0503020204020204" pitchFamily="34" charset="-122"/>
-                <a:ea typeface="微软雅黑" panose="020B0503020204020204" pitchFamily="34" charset="-122"/>
-              </a:rPr>
-              <a:t>重建表</a:t>
-            </a:r>
-            <a:endParaRPr lang="en-US" altLang="zh-CN" b="1" dirty="0">
-              <a:ln/>
-              <a:solidFill>
-                <a:srgbClr val="4FD1FF"/>
-              </a:solidFill>
-              <a:latin typeface="微软雅黑" panose="020B0503020204020204" pitchFamily="34" charset="-122"/>
-              <a:ea typeface="微软雅黑" panose="020B0503020204020204" pitchFamily="34" charset="-122"/>
-            </a:endParaRPr>
-          </a:p>
-        </p:txBody>
-      </p:sp>
-      <p:sp>
-        <p:nvSpPr>
-          <p:cNvPr id="44" name="矩形 43"/>
-          <p:cNvSpPr/>
-          <p:nvPr/>
-        </p:nvSpPr>
-        <p:spPr>
-          <a:xfrm>
-            <a:off x="114300" y="1301026"/>
-            <a:ext cx="5928360" cy="338554"/>
-          </a:xfrm>
-          <a:prstGeom prst="rect">
-            <a:avLst/>
-          </a:prstGeom>
-        </p:spPr>
-        <p:txBody>
-          <a:bodyPr wrap="square">
-            <a:spAutoFit/>
-          </a:bodyPr>
-          <a:lstStyle/>
-          <a:p>
-            <a:r>
-              <a:rPr lang="en-US" altLang="zh-CN" sz="1600" dirty="0" smtClean="0">
-                <a:solidFill>
-                  <a:srgbClr val="92D050"/>
-                </a:solidFill>
-                <a:latin typeface="微软雅黑" panose="020B0503020204020204" pitchFamily="34" charset="-122"/>
-                <a:ea typeface="微软雅黑" panose="020B0503020204020204" pitchFamily="34" charset="-122"/>
-              </a:rPr>
-              <a:t>alter table A engine=</a:t>
-            </a:r>
-            <a:r>
-              <a:rPr lang="en-US" altLang="zh-CN" sz="1600" dirty="0" err="1" smtClean="0">
-                <a:solidFill>
-                  <a:srgbClr val="92D050"/>
-                </a:solidFill>
-                <a:latin typeface="微软雅黑" panose="020B0503020204020204" pitchFamily="34" charset="-122"/>
-                <a:ea typeface="微软雅黑" panose="020B0503020204020204" pitchFamily="34" charset="-122"/>
-              </a:rPr>
-              <a:t>InnoDB</a:t>
-            </a:r>
-            <a:r>
-              <a:rPr lang="en-US" altLang="zh-CN" sz="1600" dirty="0" smtClean="0">
-                <a:solidFill>
-                  <a:srgbClr val="92D050"/>
-                </a:solidFill>
-                <a:latin typeface="微软雅黑" panose="020B0503020204020204" pitchFamily="34" charset="-122"/>
-                <a:ea typeface="微软雅黑" panose="020B0503020204020204" pitchFamily="34" charset="-122"/>
-              </a:rPr>
-              <a:t> [</a:t>
-            </a:r>
-            <a:r>
-              <a:rPr lang="zh-CN" altLang="en-US" sz="1600" dirty="0" smtClean="0">
-                <a:solidFill>
-                  <a:srgbClr val="92D050"/>
-                </a:solidFill>
-                <a:latin typeface="微软雅黑" panose="020B0503020204020204" pitchFamily="34" charset="-122"/>
-                <a:ea typeface="微软雅黑" panose="020B0503020204020204" pitchFamily="34" charset="-122"/>
-              </a:rPr>
-              <a:t>，</a:t>
-            </a:r>
-            <a:r>
-              <a:rPr lang="en-US" altLang="zh-CN" sz="1600" dirty="0" smtClean="0">
-                <a:solidFill>
-                  <a:srgbClr val="92D050"/>
-                </a:solidFill>
-                <a:latin typeface="微软雅黑" panose="020B0503020204020204" pitchFamily="34" charset="-122"/>
-                <a:ea typeface="微软雅黑" panose="020B0503020204020204" pitchFamily="34" charset="-122"/>
-              </a:rPr>
-              <a:t>ALGORITHM=</a:t>
-            </a:r>
-            <a:r>
-              <a:rPr lang="en-US" altLang="zh-CN" sz="1600" dirty="0" err="1" smtClean="0">
-                <a:solidFill>
-                  <a:srgbClr val="92D050"/>
-                </a:solidFill>
-                <a:latin typeface="微软雅黑" panose="020B0503020204020204" pitchFamily="34" charset="-122"/>
-                <a:ea typeface="微软雅黑" panose="020B0503020204020204" pitchFamily="34" charset="-122"/>
-              </a:rPr>
-              <a:t>inplace</a:t>
-            </a:r>
-            <a:r>
-              <a:rPr lang="en-US" altLang="zh-CN" sz="1600" dirty="0" smtClean="0">
-                <a:solidFill>
-                  <a:srgbClr val="92D050"/>
-                </a:solidFill>
-                <a:latin typeface="微软雅黑" panose="020B0503020204020204" pitchFamily="34" charset="-122"/>
-                <a:ea typeface="微软雅黑" panose="020B0503020204020204" pitchFamily="34" charset="-122"/>
-              </a:rPr>
-              <a:t>] ;</a:t>
-            </a:r>
-            <a:endParaRPr lang="en-US" altLang="zh-CN" sz="1600" dirty="0">
-              <a:solidFill>
-                <a:srgbClr val="92D050"/>
-              </a:solidFill>
-              <a:latin typeface="微软雅黑" panose="020B0503020204020204" pitchFamily="34" charset="-122"/>
-              <a:ea typeface="微软雅黑" panose="020B0503020204020204" pitchFamily="34" charset="-122"/>
-            </a:endParaRPr>
-          </a:p>
-        </p:txBody>
-      </p:sp>
-      <p:pic>
-        <p:nvPicPr>
-          <p:cNvPr id="4" name="图片 3"/>
-          <p:cNvPicPr>
-            <a:picLocks noChangeAspect="1"/>
-          </p:cNvPicPr>
-          <p:nvPr/>
-        </p:nvPicPr>
-        <p:blipFill>
-          <a:blip r:embed="rId2">
-            <a:extLst>
-              <a:ext uri="{28A0092B-C50C-407E-A947-70E740481C1C}">
-                <a14:useLocalDpi xmlns:a14="http://schemas.microsoft.com/office/drawing/2010/main" val="0"/>
-              </a:ext>
-            </a:extLst>
-          </a:blip>
-          <a:stretch>
-            <a:fillRect/>
-          </a:stretch>
-        </p:blipFill>
-        <p:spPr>
-          <a:xfrm>
-            <a:off x="399312" y="2319366"/>
-            <a:ext cx="5225835" cy="3917088"/>
-          </a:xfrm>
-          <a:prstGeom prst="rect">
-            <a:avLst/>
-          </a:prstGeom>
-        </p:spPr>
-      </p:pic>
-      <p:pic>
-        <p:nvPicPr>
-          <p:cNvPr id="5" name="图片 4"/>
-          <p:cNvPicPr>
-            <a:picLocks noChangeAspect="1"/>
-          </p:cNvPicPr>
-          <p:nvPr/>
-        </p:nvPicPr>
-        <p:blipFill>
-          <a:blip r:embed="rId3">
-            <a:extLst>
-              <a:ext uri="{28A0092B-C50C-407E-A947-70E740481C1C}">
-                <a14:useLocalDpi xmlns:a14="http://schemas.microsoft.com/office/drawing/2010/main" val="0"/>
-              </a:ext>
-            </a:extLst>
-          </a:blip>
-          <a:stretch>
-            <a:fillRect/>
-          </a:stretch>
-        </p:blipFill>
-        <p:spPr>
-          <a:xfrm>
-            <a:off x="6550529" y="2319366"/>
-            <a:ext cx="5225835" cy="3917088"/>
-          </a:xfrm>
-          <a:prstGeom prst="rect">
-            <a:avLst/>
-          </a:prstGeom>
-        </p:spPr>
-      </p:pic>
-      <p:sp>
-        <p:nvSpPr>
-          <p:cNvPr id="6" name="文本框 5"/>
-          <p:cNvSpPr txBox="1"/>
-          <p:nvPr/>
-        </p:nvSpPr>
-        <p:spPr>
-          <a:xfrm>
-            <a:off x="2819095" y="4046383"/>
-            <a:ext cx="260535" cy="769441"/>
-          </a:xfrm>
-          <a:prstGeom prst="rect">
-            <a:avLst/>
-          </a:prstGeom>
-          <a:noFill/>
-        </p:spPr>
-        <p:txBody>
-          <a:bodyPr wrap="square" rtlCol="0">
-            <a:spAutoFit/>
-          </a:bodyPr>
-          <a:lstStyle/>
-          <a:p>
-            <a:r>
-              <a:rPr lang="zh-CN" altLang="en-US" sz="1100" dirty="0" smtClean="0">
-                <a:solidFill>
-                  <a:srgbClr val="FF0000"/>
-                </a:solidFill>
-                <a:latin typeface="微软雅黑" panose="020B0503020204020204" pitchFamily="34" charset="-122"/>
-                <a:ea typeface="微软雅黑" panose="020B0503020204020204" pitchFamily="34" charset="-122"/>
-              </a:rPr>
-              <a:t>交换操作</a:t>
-            </a:r>
-            <a:endParaRPr lang="zh-CN" altLang="en-US" sz="1100" dirty="0">
-              <a:solidFill>
-                <a:srgbClr val="FF0000"/>
-              </a:solidFill>
-              <a:latin typeface="微软雅黑" panose="020B0503020204020204" pitchFamily="34" charset="-122"/>
-              <a:ea typeface="微软雅黑" panose="020B0503020204020204" pitchFamily="34" charset="-122"/>
-            </a:endParaRPr>
-          </a:p>
-        </p:txBody>
-      </p:sp>
-      <p:sp>
-        <p:nvSpPr>
-          <p:cNvPr id="49" name="文本框 48"/>
-          <p:cNvSpPr txBox="1"/>
-          <p:nvPr/>
-        </p:nvSpPr>
-        <p:spPr>
-          <a:xfrm>
-            <a:off x="1280313" y="4056140"/>
-            <a:ext cx="260535" cy="2123658"/>
-          </a:xfrm>
-          <a:prstGeom prst="rect">
-            <a:avLst/>
-          </a:prstGeom>
-          <a:noFill/>
-        </p:spPr>
-        <p:txBody>
-          <a:bodyPr wrap="square" rtlCol="0">
-            <a:spAutoFit/>
-          </a:bodyPr>
-          <a:lstStyle/>
-          <a:p>
-            <a:r>
-              <a:rPr lang="zh-CN" altLang="en-US" sz="1100" dirty="0" smtClean="0">
-                <a:solidFill>
-                  <a:srgbClr val="FF0000"/>
-                </a:solidFill>
-                <a:latin typeface="微软雅黑" panose="020B0503020204020204" pitchFamily="34" charset="-122"/>
-                <a:ea typeface="微软雅黑" panose="020B0503020204020204" pitchFamily="34" charset="-122"/>
-              </a:rPr>
-              <a:t>以主键递增顺序插入</a:t>
-            </a:r>
-            <a:r>
-              <a:rPr lang="zh-CN" altLang="en-US" sz="1100" dirty="0">
-                <a:solidFill>
-                  <a:srgbClr val="FF0000"/>
-                </a:solidFill>
-                <a:latin typeface="微软雅黑" panose="020B0503020204020204" pitchFamily="34" charset="-122"/>
-                <a:ea typeface="微软雅黑" panose="020B0503020204020204" pitchFamily="34" charset="-122"/>
-              </a:rPr>
-              <a:t>临时表</a:t>
-            </a:r>
-          </a:p>
-        </p:txBody>
-      </p:sp>
-      <p:sp>
-        <p:nvSpPr>
-          <p:cNvPr id="50" name="文本框 49"/>
-          <p:cNvSpPr txBox="1"/>
-          <p:nvPr/>
-        </p:nvSpPr>
-        <p:spPr>
-          <a:xfrm>
-            <a:off x="4419295" y="4046382"/>
-            <a:ext cx="260535" cy="1277273"/>
-          </a:xfrm>
-          <a:prstGeom prst="rect">
-            <a:avLst/>
-          </a:prstGeom>
-          <a:noFill/>
-        </p:spPr>
-        <p:txBody>
-          <a:bodyPr wrap="square" rtlCol="0">
-            <a:spAutoFit/>
-          </a:bodyPr>
-          <a:lstStyle/>
-          <a:p>
-            <a:r>
-              <a:rPr lang="zh-CN" altLang="en-US" sz="1100" dirty="0" smtClean="0">
-                <a:solidFill>
-                  <a:srgbClr val="FF0000"/>
-                </a:solidFill>
-                <a:latin typeface="微软雅黑" panose="020B0503020204020204" pitchFamily="34" charset="-122"/>
-                <a:ea typeface="微软雅黑" panose="020B0503020204020204" pitchFamily="34" charset="-122"/>
-              </a:rPr>
-              <a:t>得到重建的</a:t>
-            </a:r>
-            <a:r>
-              <a:rPr lang="en-US" altLang="zh-CN" sz="1100" dirty="0" smtClean="0">
-                <a:solidFill>
-                  <a:srgbClr val="FF0000"/>
-                </a:solidFill>
-                <a:latin typeface="微软雅黑" panose="020B0503020204020204" pitchFamily="34" charset="-122"/>
-                <a:ea typeface="微软雅黑" panose="020B0503020204020204" pitchFamily="34" charset="-122"/>
-              </a:rPr>
-              <a:t>A</a:t>
-            </a:r>
-            <a:r>
-              <a:rPr lang="zh-CN" altLang="en-US" sz="1100" dirty="0" smtClean="0">
-                <a:solidFill>
-                  <a:srgbClr val="FF0000"/>
-                </a:solidFill>
-                <a:latin typeface="微软雅黑" panose="020B0503020204020204" pitchFamily="34" charset="-122"/>
-                <a:ea typeface="微软雅黑" panose="020B0503020204020204" pitchFamily="34" charset="-122"/>
-              </a:rPr>
-              <a:t>表</a:t>
-            </a:r>
-            <a:endParaRPr lang="zh-CN" altLang="en-US" sz="1100" dirty="0">
-              <a:solidFill>
-                <a:srgbClr val="FF0000"/>
-              </a:solidFill>
-              <a:latin typeface="微软雅黑" panose="020B0503020204020204" pitchFamily="34" charset="-122"/>
-              <a:ea typeface="微软雅黑" panose="020B0503020204020204" pitchFamily="34" charset="-122"/>
-            </a:endParaRPr>
-          </a:p>
-        </p:txBody>
-      </p:sp>
-      <p:sp>
-        <p:nvSpPr>
-          <p:cNvPr id="51" name="矩形 50"/>
-          <p:cNvSpPr/>
-          <p:nvPr/>
-        </p:nvSpPr>
-        <p:spPr>
-          <a:xfrm>
-            <a:off x="552881" y="6366111"/>
-            <a:ext cx="4956379" cy="307777"/>
-          </a:xfrm>
-          <a:prstGeom prst="rect">
-            <a:avLst/>
-          </a:prstGeom>
-        </p:spPr>
-        <p:txBody>
-          <a:bodyPr wrap="square">
-            <a:spAutoFit/>
-          </a:bodyPr>
-          <a:lstStyle/>
-          <a:p>
-            <a:r>
-              <a:rPr lang="zh-CN" altLang="en-US" sz="1400" dirty="0" smtClean="0">
-                <a:solidFill>
-                  <a:srgbClr val="FFFF00"/>
-                </a:solidFill>
-                <a:latin typeface="微软雅黑" panose="020B0503020204020204" pitchFamily="34" charset="-122"/>
-                <a:ea typeface="微软雅黑" panose="020B0503020204020204" pitchFamily="34" charset="-122"/>
-              </a:rPr>
-              <a:t>在整个</a:t>
-            </a:r>
-            <a:r>
-              <a:rPr lang="en-US" altLang="zh-CN" sz="1400" dirty="0" smtClean="0">
-                <a:solidFill>
-                  <a:srgbClr val="FFFF00"/>
-                </a:solidFill>
-                <a:latin typeface="微软雅黑" panose="020B0503020204020204" pitchFamily="34" charset="-122"/>
-                <a:ea typeface="微软雅黑" panose="020B0503020204020204" pitchFamily="34" charset="-122"/>
-              </a:rPr>
-              <a:t>DDL</a:t>
-            </a:r>
-            <a:r>
-              <a:rPr lang="zh-CN" altLang="en-US" sz="1400" dirty="0" smtClean="0">
-                <a:solidFill>
-                  <a:srgbClr val="FFFF00"/>
-                </a:solidFill>
-                <a:latin typeface="微软雅黑" panose="020B0503020204020204" pitchFamily="34" charset="-122"/>
-                <a:ea typeface="微软雅黑" panose="020B0503020204020204" pitchFamily="34" charset="-122"/>
-              </a:rPr>
-              <a:t>过程中，表</a:t>
-            </a:r>
-            <a:r>
-              <a:rPr lang="en-US" altLang="zh-CN" sz="1400" dirty="0" smtClean="0">
-                <a:solidFill>
-                  <a:srgbClr val="FFFF00"/>
-                </a:solidFill>
-                <a:latin typeface="微软雅黑" panose="020B0503020204020204" pitchFamily="34" charset="-122"/>
-                <a:ea typeface="微软雅黑" panose="020B0503020204020204" pitchFamily="34" charset="-122"/>
-              </a:rPr>
-              <a:t>A</a:t>
-            </a:r>
-            <a:r>
-              <a:rPr lang="zh-CN" altLang="en-US" sz="1400" dirty="0" smtClean="0">
-                <a:solidFill>
-                  <a:srgbClr val="FFFF00"/>
-                </a:solidFill>
-                <a:latin typeface="微软雅黑" panose="020B0503020204020204" pitchFamily="34" charset="-122"/>
-                <a:ea typeface="微软雅黑" panose="020B0503020204020204" pitchFamily="34" charset="-122"/>
-              </a:rPr>
-              <a:t>中不能有更新。</a:t>
-            </a:r>
-            <a:r>
-              <a:rPr lang="en-US" altLang="zh-CN" sz="1400" dirty="0" smtClean="0">
-                <a:solidFill>
-                  <a:srgbClr val="FFFF00"/>
-                </a:solidFill>
-                <a:latin typeface="微软雅黑" panose="020B0503020204020204" pitchFamily="34" charset="-122"/>
-                <a:ea typeface="微软雅黑" panose="020B0503020204020204" pitchFamily="34" charset="-122"/>
-              </a:rPr>
-              <a:t>DDL</a:t>
-            </a:r>
-            <a:r>
-              <a:rPr lang="zh-CN" altLang="en-US" sz="1400" dirty="0" smtClean="0">
-                <a:solidFill>
-                  <a:srgbClr val="FFFF00"/>
-                </a:solidFill>
-                <a:latin typeface="微软雅黑" panose="020B0503020204020204" pitchFamily="34" charset="-122"/>
-                <a:ea typeface="微软雅黑" panose="020B0503020204020204" pitchFamily="34" charset="-122"/>
-              </a:rPr>
-              <a:t>不是</a:t>
-            </a:r>
-            <a:r>
-              <a:rPr lang="en-US" altLang="zh-CN" sz="1400" dirty="0" smtClean="0">
-                <a:solidFill>
-                  <a:srgbClr val="FFFF00"/>
-                </a:solidFill>
-                <a:latin typeface="微软雅黑" panose="020B0503020204020204" pitchFamily="34" charset="-122"/>
-                <a:ea typeface="微软雅黑" panose="020B0503020204020204" pitchFamily="34" charset="-122"/>
-              </a:rPr>
-              <a:t>online</a:t>
-            </a:r>
-            <a:r>
-              <a:rPr lang="zh-CN" altLang="en-US" sz="1400" dirty="0" smtClean="0">
-                <a:solidFill>
-                  <a:srgbClr val="FFFF00"/>
-                </a:solidFill>
-                <a:latin typeface="微软雅黑" panose="020B0503020204020204" pitchFamily="34" charset="-122"/>
-                <a:ea typeface="微软雅黑" panose="020B0503020204020204" pitchFamily="34" charset="-122"/>
-              </a:rPr>
-              <a:t>的。</a:t>
-            </a:r>
-            <a:endParaRPr lang="en-US" altLang="zh-CN" sz="1400" dirty="0" smtClean="0">
-              <a:solidFill>
-                <a:srgbClr val="FFFF00"/>
-              </a:solidFill>
-              <a:latin typeface="微软雅黑" panose="020B0503020204020204" pitchFamily="34" charset="-122"/>
-              <a:ea typeface="微软雅黑" panose="020B0503020204020204" pitchFamily="34" charset="-122"/>
-            </a:endParaRPr>
-          </a:p>
-        </p:txBody>
-      </p:sp>
-      <p:sp>
-        <p:nvSpPr>
-          <p:cNvPr id="52" name="矩形 51"/>
-          <p:cNvSpPr/>
-          <p:nvPr/>
-        </p:nvSpPr>
-        <p:spPr>
-          <a:xfrm>
-            <a:off x="1722458" y="1896992"/>
-            <a:ext cx="2617223" cy="338554"/>
-          </a:xfrm>
-          <a:prstGeom prst="rect">
-            <a:avLst/>
-          </a:prstGeom>
-        </p:spPr>
-        <p:txBody>
-          <a:bodyPr wrap="square">
-            <a:spAutoFit/>
-          </a:bodyPr>
-          <a:lstStyle/>
-          <a:p>
-            <a:r>
-              <a:rPr lang="en-US" altLang="zh-CN" sz="1600" dirty="0" smtClean="0">
-                <a:solidFill>
-                  <a:srgbClr val="92D050"/>
-                </a:solidFill>
-                <a:latin typeface="微软雅黑" panose="020B0503020204020204" pitchFamily="34" charset="-122"/>
-                <a:ea typeface="微软雅黑" panose="020B0503020204020204" pitchFamily="34" charset="-122"/>
-              </a:rPr>
-              <a:t>V5.5</a:t>
-            </a:r>
-            <a:r>
-              <a:rPr lang="zh-CN" altLang="en-US" sz="1600" dirty="0" smtClean="0">
-                <a:solidFill>
-                  <a:srgbClr val="92D050"/>
-                </a:solidFill>
-                <a:latin typeface="微软雅黑" panose="020B0503020204020204" pitchFamily="34" charset="-122"/>
-                <a:ea typeface="微软雅黑" panose="020B0503020204020204" pitchFamily="34" charset="-122"/>
-              </a:rPr>
-              <a:t>及之前的重建表操作</a:t>
-            </a:r>
-            <a:endParaRPr lang="en-US" altLang="zh-CN" sz="1600" dirty="0">
-              <a:solidFill>
-                <a:srgbClr val="92D050"/>
-              </a:solidFill>
-              <a:latin typeface="微软雅黑" panose="020B0503020204020204" pitchFamily="34" charset="-122"/>
-              <a:ea typeface="微软雅黑" panose="020B0503020204020204" pitchFamily="34" charset="-122"/>
-            </a:endParaRPr>
-          </a:p>
-        </p:txBody>
-      </p:sp>
-      <p:sp>
-        <p:nvSpPr>
-          <p:cNvPr id="53" name="矩形 52"/>
-          <p:cNvSpPr/>
-          <p:nvPr/>
-        </p:nvSpPr>
-        <p:spPr>
-          <a:xfrm>
-            <a:off x="7953289" y="1896992"/>
-            <a:ext cx="2420314" cy="338554"/>
-          </a:xfrm>
-          <a:prstGeom prst="rect">
-            <a:avLst/>
-          </a:prstGeom>
-        </p:spPr>
-        <p:txBody>
-          <a:bodyPr wrap="square">
-            <a:spAutoFit/>
-          </a:bodyPr>
-          <a:lstStyle/>
-          <a:p>
-            <a:r>
-              <a:rPr lang="en-US" altLang="zh-CN" sz="1600" dirty="0" smtClean="0">
-                <a:solidFill>
-                  <a:srgbClr val="92D050"/>
-                </a:solidFill>
-                <a:latin typeface="微软雅黑" panose="020B0503020204020204" pitchFamily="34" charset="-122"/>
-                <a:ea typeface="微软雅黑" panose="020B0503020204020204" pitchFamily="34" charset="-122"/>
-              </a:rPr>
-              <a:t>V5.6</a:t>
-            </a:r>
-            <a:r>
-              <a:rPr lang="zh-CN" altLang="en-US" sz="1600" dirty="0" smtClean="0">
-                <a:solidFill>
-                  <a:srgbClr val="92D050"/>
-                </a:solidFill>
-                <a:latin typeface="微软雅黑" panose="020B0503020204020204" pitchFamily="34" charset="-122"/>
-                <a:ea typeface="微软雅黑" panose="020B0503020204020204" pitchFamily="34" charset="-122"/>
-              </a:rPr>
-              <a:t>开始的重建表操作</a:t>
-            </a:r>
-            <a:endParaRPr lang="en-US" altLang="zh-CN" sz="1600" dirty="0">
-              <a:solidFill>
-                <a:srgbClr val="92D050"/>
-              </a:solidFill>
-              <a:latin typeface="微软雅黑" panose="020B0503020204020204" pitchFamily="34" charset="-122"/>
-              <a:ea typeface="微软雅黑" panose="020B0503020204020204" pitchFamily="34" charset="-122"/>
-            </a:endParaRPr>
-          </a:p>
-        </p:txBody>
-      </p:sp>
-      <p:sp>
-        <p:nvSpPr>
-          <p:cNvPr id="54" name="矩形 53"/>
-          <p:cNvSpPr/>
-          <p:nvPr/>
-        </p:nvSpPr>
-        <p:spPr>
-          <a:xfrm>
-            <a:off x="6819985" y="6366110"/>
-            <a:ext cx="4956379" cy="307777"/>
-          </a:xfrm>
-          <a:prstGeom prst="rect">
-            <a:avLst/>
-          </a:prstGeom>
-        </p:spPr>
-        <p:txBody>
-          <a:bodyPr wrap="square">
-            <a:spAutoFit/>
-          </a:bodyPr>
-          <a:lstStyle/>
-          <a:p>
-            <a:r>
-              <a:rPr lang="zh-CN" altLang="en-US" sz="1400" dirty="0" smtClean="0">
-                <a:solidFill>
-                  <a:srgbClr val="FFFF00"/>
-                </a:solidFill>
-                <a:latin typeface="微软雅黑" panose="020B0503020204020204" pitchFamily="34" charset="-122"/>
-                <a:ea typeface="微软雅黑" panose="020B0503020204020204" pitchFamily="34" charset="-122"/>
-              </a:rPr>
-              <a:t>由于在</a:t>
-            </a:r>
-            <a:r>
-              <a:rPr lang="en-US" altLang="zh-CN" sz="1400" dirty="0" smtClean="0">
-                <a:solidFill>
-                  <a:srgbClr val="FFFF00"/>
-                </a:solidFill>
-                <a:latin typeface="微软雅黑" panose="020B0503020204020204" pitchFamily="34" charset="-122"/>
-                <a:ea typeface="微软雅黑" panose="020B0503020204020204" pitchFamily="34" charset="-122"/>
-              </a:rPr>
-              <a:t>row log</a:t>
-            </a:r>
-            <a:r>
-              <a:rPr lang="zh-CN" altLang="en-US" sz="1400" dirty="0" smtClean="0">
-                <a:solidFill>
-                  <a:srgbClr val="FFFF00"/>
-                </a:solidFill>
-                <a:latin typeface="微软雅黑" panose="020B0503020204020204" pitchFamily="34" charset="-122"/>
-                <a:ea typeface="微软雅黑" panose="020B0503020204020204" pitchFamily="34" charset="-122"/>
-              </a:rPr>
-              <a:t>里记录了表</a:t>
-            </a:r>
-            <a:r>
-              <a:rPr lang="en-US" altLang="zh-CN" sz="1400" dirty="0" smtClean="0">
-                <a:solidFill>
-                  <a:srgbClr val="FFFF00"/>
-                </a:solidFill>
-                <a:latin typeface="微软雅黑" panose="020B0503020204020204" pitchFamily="34" charset="-122"/>
-                <a:ea typeface="微软雅黑" panose="020B0503020204020204" pitchFamily="34" charset="-122"/>
-              </a:rPr>
-              <a:t>A</a:t>
-            </a:r>
-            <a:r>
-              <a:rPr lang="zh-CN" altLang="en-US" sz="1400" dirty="0" smtClean="0">
-                <a:solidFill>
-                  <a:srgbClr val="FFFF00"/>
-                </a:solidFill>
-                <a:latin typeface="微软雅黑" panose="020B0503020204020204" pitchFamily="34" charset="-122"/>
-                <a:ea typeface="微软雅黑" panose="020B0503020204020204" pitchFamily="34" charset="-122"/>
-              </a:rPr>
-              <a:t>的更新，所以</a:t>
-            </a:r>
-            <a:r>
-              <a:rPr lang="en-US" altLang="zh-CN" sz="1400" dirty="0" smtClean="0">
-                <a:solidFill>
-                  <a:srgbClr val="FFFF00"/>
-                </a:solidFill>
-                <a:latin typeface="微软雅黑" panose="020B0503020204020204" pitchFamily="34" charset="-122"/>
-                <a:ea typeface="微软雅黑" panose="020B0503020204020204" pitchFamily="34" charset="-122"/>
-              </a:rPr>
-              <a:t>DDL</a:t>
-            </a:r>
-            <a:r>
-              <a:rPr lang="zh-CN" altLang="en-US" sz="1400" dirty="0" smtClean="0">
-                <a:solidFill>
-                  <a:srgbClr val="FFFF00"/>
-                </a:solidFill>
-                <a:latin typeface="微软雅黑" panose="020B0503020204020204" pitchFamily="34" charset="-122"/>
-                <a:ea typeface="微软雅黑" panose="020B0503020204020204" pitchFamily="34" charset="-122"/>
-              </a:rPr>
-              <a:t>是</a:t>
-            </a:r>
-            <a:r>
-              <a:rPr lang="en-US" altLang="zh-CN" sz="1400" dirty="0" smtClean="0">
-                <a:solidFill>
-                  <a:srgbClr val="FFFF00"/>
-                </a:solidFill>
-                <a:latin typeface="微软雅黑" panose="020B0503020204020204" pitchFamily="34" charset="-122"/>
-                <a:ea typeface="微软雅黑" panose="020B0503020204020204" pitchFamily="34" charset="-122"/>
-              </a:rPr>
-              <a:t>online</a:t>
-            </a:r>
-            <a:r>
-              <a:rPr lang="zh-CN" altLang="en-US" sz="1400" dirty="0" smtClean="0">
-                <a:solidFill>
-                  <a:srgbClr val="FFFF00"/>
-                </a:solidFill>
-                <a:latin typeface="微软雅黑" panose="020B0503020204020204" pitchFamily="34" charset="-122"/>
-                <a:ea typeface="微软雅黑" panose="020B0503020204020204" pitchFamily="34" charset="-122"/>
-              </a:rPr>
-              <a:t>的</a:t>
-            </a:r>
-            <a:endParaRPr lang="en-US" altLang="zh-CN" sz="1400" dirty="0" smtClean="0">
-              <a:solidFill>
-                <a:srgbClr val="FFFF00"/>
-              </a:solidFill>
-              <a:latin typeface="微软雅黑" panose="020B0503020204020204" pitchFamily="34" charset="-122"/>
-              <a:ea typeface="微软雅黑" panose="020B0503020204020204" pitchFamily="34" charset="-122"/>
-            </a:endParaRPr>
-          </a:p>
-        </p:txBody>
-      </p:sp>
-      <p:sp>
-        <p:nvSpPr>
-          <p:cNvPr id="9" name="任意多边形 8"/>
-          <p:cNvSpPr/>
-          <p:nvPr/>
-        </p:nvSpPr>
-        <p:spPr>
-          <a:xfrm>
-            <a:off x="8633460" y="5280660"/>
-            <a:ext cx="1577340" cy="790716"/>
-          </a:xfrm>
-          <a:custGeom>
-            <a:avLst/>
-            <a:gdLst>
-              <a:gd name="connsiteX0" fmla="*/ 0 w 1645920"/>
-              <a:gd name="connsiteY0" fmla="*/ 485954 h 857570"/>
-              <a:gd name="connsiteX1" fmla="*/ 1104900 w 1645920"/>
-              <a:gd name="connsiteY1" fmla="*/ 844094 h 857570"/>
-              <a:gd name="connsiteX2" fmla="*/ 1577340 w 1645920"/>
-              <a:gd name="connsiteY2" fmla="*/ 66854 h 857570"/>
-              <a:gd name="connsiteX3" fmla="*/ 1645920 w 1645920"/>
-              <a:gd name="connsiteY3" fmla="*/ 43994 h 857570"/>
-              <a:gd name="connsiteX0" fmla="*/ 0 w 1577340"/>
-              <a:gd name="connsiteY0" fmla="*/ 419100 h 790716"/>
-              <a:gd name="connsiteX1" fmla="*/ 1104900 w 1577340"/>
-              <a:gd name="connsiteY1" fmla="*/ 777240 h 790716"/>
-              <a:gd name="connsiteX2" fmla="*/ 1577340 w 1577340"/>
-              <a:gd name="connsiteY2" fmla="*/ 0 h 790716"/>
-            </a:gdLst>
-            <a:ahLst/>
-            <a:cxnLst>
-              <a:cxn ang="0">
-                <a:pos x="connsiteX0" y="connsiteY0"/>
-              </a:cxn>
-              <a:cxn ang="0">
-                <a:pos x="connsiteX1" y="connsiteY1"/>
-              </a:cxn>
-              <a:cxn ang="0">
-                <a:pos x="connsiteX2" y="connsiteY2"/>
-              </a:cxn>
-            </a:cxnLst>
-            <a:rect l="l" t="t" r="r" b="b"/>
-            <a:pathLst>
-              <a:path w="1577340" h="790716">
-                <a:moveTo>
-                  <a:pt x="0" y="419100"/>
-                </a:moveTo>
-                <a:cubicBezTo>
-                  <a:pt x="421005" y="633095"/>
-                  <a:pt x="842010" y="847090"/>
-                  <a:pt x="1104900" y="777240"/>
-                </a:cubicBezTo>
-                <a:cubicBezTo>
-                  <a:pt x="1367790" y="707390"/>
-                  <a:pt x="1487170" y="133350"/>
-                  <a:pt x="1577340" y="0"/>
-                </a:cubicBezTo>
-              </a:path>
-            </a:pathLst>
-          </a:custGeom>
-          <a:noFill/>
-          <a:ln>
-            <a:solidFill>
-              <a:srgbClr val="FFC000"/>
-            </a:solidFill>
-            <a:headEnd type="none" w="med" len="med"/>
-            <a:tailEnd type="arrow" w="med" len="med"/>
-          </a:ln>
-        </p:spPr>
-        <p:style>
-          <a:lnRef idx="2">
-            <a:schemeClr val="accent1">
-              <a:shade val="50000"/>
-            </a:schemeClr>
-          </a:lnRef>
-          <a:fillRef idx="1">
-            <a:schemeClr val="accent1"/>
-          </a:fillRef>
-          <a:effectRef idx="0">
-            <a:schemeClr val="accent1"/>
-          </a:effectRef>
-          <a:fontRef idx="minor">
-            <a:schemeClr val="lt1"/>
-          </a:fontRef>
-        </p:style>
-        <p:txBody>
-          <a:bodyPr rtlCol="0" anchor="ctr"/>
-          <a:lstStyle/>
-          <a:p>
-            <a:pPr algn="ctr"/>
-            <a:endParaRPr lang="zh-CN" altLang="en-US"/>
-          </a:p>
-        </p:txBody>
-      </p:sp>
-      <p:sp>
-        <p:nvSpPr>
-          <p:cNvPr id="57" name="矩形 56"/>
-          <p:cNvSpPr/>
-          <p:nvPr/>
-        </p:nvSpPr>
-        <p:spPr>
-          <a:xfrm>
-            <a:off x="7256490" y="5823260"/>
-            <a:ext cx="4956379" cy="276999"/>
-          </a:xfrm>
-          <a:prstGeom prst="rect">
-            <a:avLst/>
-          </a:prstGeom>
-        </p:spPr>
-        <p:txBody>
-          <a:bodyPr wrap="square">
-            <a:spAutoFit/>
-          </a:bodyPr>
-          <a:lstStyle/>
-          <a:p>
-            <a:r>
-              <a:rPr lang="zh-CN" altLang="en-US" sz="1200" dirty="0" smtClean="0">
-                <a:solidFill>
-                  <a:schemeClr val="accent3">
-                    <a:lumMod val="75000"/>
-                  </a:schemeClr>
-                </a:solidFill>
-                <a:latin typeface="微软雅黑" panose="020B0503020204020204" pitchFamily="34" charset="-122"/>
-                <a:ea typeface="微软雅黑" panose="020B0503020204020204" pitchFamily="34" charset="-122"/>
-              </a:rPr>
-              <a:t>生成</a:t>
-            </a:r>
-            <a:r>
-              <a:rPr lang="en-US" altLang="zh-CN" sz="1200" dirty="0" err="1" smtClean="0">
-                <a:solidFill>
-                  <a:schemeClr val="accent3">
-                    <a:lumMod val="75000"/>
-                  </a:schemeClr>
-                </a:solidFill>
-                <a:latin typeface="微软雅黑" panose="020B0503020204020204" pitchFamily="34" charset="-122"/>
-                <a:ea typeface="微软雅黑" panose="020B0503020204020204" pitchFamily="34" charset="-122"/>
-              </a:rPr>
-              <a:t>tmp</a:t>
-            </a:r>
-            <a:r>
-              <a:rPr lang="zh-CN" altLang="en-US" sz="1200" dirty="0" smtClean="0">
-                <a:solidFill>
-                  <a:schemeClr val="accent3">
-                    <a:lumMod val="75000"/>
-                  </a:schemeClr>
-                </a:solidFill>
-                <a:latin typeface="微软雅黑" panose="020B0503020204020204" pitchFamily="34" charset="-122"/>
-                <a:ea typeface="微软雅黑" panose="020B0503020204020204" pitchFamily="34" charset="-122"/>
-              </a:rPr>
-              <a:t>文件结束并交换后，根据</a:t>
-            </a:r>
-            <a:r>
-              <a:rPr lang="en-US" altLang="zh-CN" sz="1200" dirty="0" smtClean="0">
-                <a:solidFill>
-                  <a:schemeClr val="accent3">
-                    <a:lumMod val="75000"/>
-                  </a:schemeClr>
-                </a:solidFill>
-                <a:latin typeface="微软雅黑" panose="020B0503020204020204" pitchFamily="34" charset="-122"/>
-                <a:ea typeface="微软雅黑" panose="020B0503020204020204" pitchFamily="34" charset="-122"/>
-              </a:rPr>
-              <a:t>row</a:t>
-            </a:r>
-            <a:r>
-              <a:rPr lang="zh-CN" altLang="en-US" sz="1200" dirty="0">
-                <a:solidFill>
-                  <a:schemeClr val="accent3">
-                    <a:lumMod val="75000"/>
-                  </a:schemeClr>
-                </a:solidFill>
-                <a:latin typeface="微软雅黑" panose="020B0503020204020204" pitchFamily="34" charset="-122"/>
-                <a:ea typeface="微软雅黑" panose="020B0503020204020204" pitchFamily="34" charset="-122"/>
-              </a:rPr>
-              <a:t> </a:t>
-            </a:r>
-            <a:r>
-              <a:rPr lang="en-US" altLang="zh-CN" sz="1200" dirty="0" smtClean="0">
-                <a:solidFill>
-                  <a:schemeClr val="accent3">
-                    <a:lumMod val="75000"/>
-                  </a:schemeClr>
-                </a:solidFill>
-                <a:latin typeface="微软雅黑" panose="020B0503020204020204" pitchFamily="34" charset="-122"/>
-                <a:ea typeface="微软雅黑" panose="020B0503020204020204" pitchFamily="34" charset="-122"/>
-              </a:rPr>
-              <a:t>log</a:t>
-            </a:r>
-            <a:r>
-              <a:rPr lang="zh-CN" altLang="en-US" sz="1200" dirty="0" smtClean="0">
-                <a:solidFill>
-                  <a:schemeClr val="accent3">
-                    <a:lumMod val="75000"/>
-                  </a:schemeClr>
-                </a:solidFill>
-                <a:latin typeface="微软雅黑" panose="020B0503020204020204" pitchFamily="34" charset="-122"/>
-                <a:ea typeface="微软雅黑" panose="020B0503020204020204" pitchFamily="34" charset="-122"/>
-              </a:rPr>
-              <a:t>里的记录引用到文件</a:t>
-            </a:r>
-            <a:endParaRPr lang="en-US" altLang="zh-CN" sz="1200" dirty="0" smtClean="0">
-              <a:solidFill>
-                <a:schemeClr val="accent3">
-                  <a:lumMod val="75000"/>
-                </a:schemeClr>
-              </a:solidFill>
-              <a:latin typeface="微软雅黑" panose="020B0503020204020204" pitchFamily="34" charset="-122"/>
-              <a:ea typeface="微软雅黑" panose="020B0503020204020204" pitchFamily="34" charset="-122"/>
-            </a:endParaRPr>
-          </a:p>
-        </p:txBody>
-      </p:sp>
-      <p:sp>
-        <p:nvSpPr>
-          <p:cNvPr id="60" name="矩形标注 59"/>
-          <p:cNvSpPr/>
-          <p:nvPr/>
-        </p:nvSpPr>
-        <p:spPr>
-          <a:xfrm>
-            <a:off x="5265064" y="1828800"/>
-            <a:ext cx="1299254" cy="575703"/>
-          </a:xfrm>
-          <a:prstGeom prst="wedgeRectCallout">
-            <a:avLst>
-              <a:gd name="adj1" fmla="val 55348"/>
-              <a:gd name="adj2" fmla="val 192453"/>
-            </a:avLst>
-          </a:prstGeom>
-          <a:solidFill>
-            <a:schemeClr val="tx1">
-              <a:lumMod val="85000"/>
-              <a:alpha val="50000"/>
-            </a:schemeClr>
-          </a:solidFill>
-          <a:ln>
-            <a:noFill/>
-          </a:ln>
-        </p:spPr>
-        <p:style>
-          <a:lnRef idx="0">
-            <a:scrgbClr r="0" g="0" b="0"/>
-          </a:lnRef>
-          <a:fillRef idx="0">
-            <a:scrgbClr r="0" g="0" b="0"/>
-          </a:fillRef>
-          <a:effectRef idx="0">
-            <a:scrgbClr r="0" g="0" b="0"/>
-          </a:effectRef>
-          <a:fontRef idx="minor">
-            <a:schemeClr val="lt1"/>
-          </a:fontRef>
-        </p:style>
-        <p:txBody>
-          <a:bodyPr rtlCol="0" anchor="ctr"/>
-          <a:lstStyle/>
-          <a:p>
-            <a:r>
-              <a:rPr lang="en-US" altLang="zh-CN" sz="1200" dirty="0" smtClean="0">
-                <a:latin typeface="微软雅黑" panose="020B0503020204020204" pitchFamily="34" charset="-122"/>
-                <a:ea typeface="微软雅黑" panose="020B0503020204020204" pitchFamily="34" charset="-122"/>
-              </a:rPr>
-              <a:t>alter</a:t>
-            </a:r>
-            <a:r>
-              <a:rPr lang="zh-CN" altLang="en-US" sz="1200" dirty="0" smtClean="0">
-                <a:latin typeface="微软雅黑" panose="020B0503020204020204" pitchFamily="34" charset="-122"/>
-                <a:ea typeface="微软雅黑" panose="020B0503020204020204" pitchFamily="34" charset="-122"/>
-              </a:rPr>
-              <a:t>在这里拿到了</a:t>
-            </a:r>
-            <a:r>
-              <a:rPr lang="en-US" altLang="zh-CN" sz="1200" dirty="0" smtClean="0">
-                <a:latin typeface="微软雅黑" panose="020B0503020204020204" pitchFamily="34" charset="-122"/>
-                <a:ea typeface="微软雅黑" panose="020B0503020204020204" pitchFamily="34" charset="-122"/>
-              </a:rPr>
-              <a:t>MDL</a:t>
-            </a:r>
-            <a:r>
-              <a:rPr lang="zh-CN" altLang="en-US" sz="1200" dirty="0" smtClean="0">
-                <a:latin typeface="微软雅黑" panose="020B0503020204020204" pitchFamily="34" charset="-122"/>
-                <a:ea typeface="微软雅黑" panose="020B0503020204020204" pitchFamily="34" charset="-122"/>
-              </a:rPr>
-              <a:t>的写锁</a:t>
-            </a:r>
-            <a:endParaRPr lang="en-US" altLang="zh-CN" sz="1200" dirty="0">
-              <a:latin typeface="微软雅黑" panose="020B0503020204020204" pitchFamily="34" charset="-122"/>
-              <a:ea typeface="微软雅黑" panose="020B0503020204020204" pitchFamily="34" charset="-122"/>
-            </a:endParaRPr>
-          </a:p>
-        </p:txBody>
-      </p:sp>
-      <p:sp>
-        <p:nvSpPr>
-          <p:cNvPr id="84" name="矩形标注 83"/>
-          <p:cNvSpPr/>
-          <p:nvPr/>
-        </p:nvSpPr>
-        <p:spPr>
-          <a:xfrm>
-            <a:off x="6654035" y="1539240"/>
-            <a:ext cx="1299254" cy="727251"/>
-          </a:xfrm>
-          <a:prstGeom prst="wedgeRectCallout">
-            <a:avLst>
-              <a:gd name="adj1" fmla="val 55348"/>
-              <a:gd name="adj2" fmla="val 192453"/>
-            </a:avLst>
-          </a:prstGeom>
-          <a:solidFill>
-            <a:schemeClr val="tx1">
-              <a:lumMod val="85000"/>
-              <a:alpha val="50000"/>
-            </a:schemeClr>
-          </a:solidFill>
-          <a:ln>
-            <a:noFill/>
-          </a:ln>
-        </p:spPr>
-        <p:style>
-          <a:lnRef idx="0">
-            <a:scrgbClr r="0" g="0" b="0"/>
-          </a:lnRef>
-          <a:fillRef idx="0">
-            <a:scrgbClr r="0" g="0" b="0"/>
-          </a:fillRef>
-          <a:effectRef idx="0">
-            <a:scrgbClr r="0" g="0" b="0"/>
-          </a:effectRef>
-          <a:fontRef idx="minor">
-            <a:schemeClr val="lt1"/>
-          </a:fontRef>
-        </p:style>
-        <p:txBody>
-          <a:bodyPr rtlCol="0" anchor="ctr"/>
-          <a:lstStyle/>
-          <a:p>
-            <a:r>
-              <a:rPr lang="zh-CN" altLang="en-US" sz="1200" dirty="0" smtClean="0">
-                <a:latin typeface="微软雅黑" panose="020B0503020204020204" pitchFamily="34" charset="-122"/>
-                <a:ea typeface="微软雅黑" panose="020B0503020204020204" pitchFamily="34" charset="-122"/>
-              </a:rPr>
-              <a:t>但在这里退化成读锁，于是允许其他线程可以继续更新表</a:t>
-            </a:r>
-            <a:r>
-              <a:rPr lang="en-US" altLang="zh-CN" sz="1200" dirty="0" smtClean="0">
-                <a:latin typeface="微软雅黑" panose="020B0503020204020204" pitchFamily="34" charset="-122"/>
-                <a:ea typeface="微软雅黑" panose="020B0503020204020204" pitchFamily="34" charset="-122"/>
-              </a:rPr>
-              <a:t>A</a:t>
-            </a:r>
-            <a:endParaRPr lang="en-US" altLang="zh-CN" sz="1200" dirty="0">
-              <a:latin typeface="微软雅黑" panose="020B0503020204020204" pitchFamily="34" charset="-122"/>
-              <a:ea typeface="微软雅黑" panose="020B0503020204020204" pitchFamily="34" charset="-122"/>
-            </a:endParaRPr>
-          </a:p>
-        </p:txBody>
-      </p:sp>
-      <p:sp>
-        <p:nvSpPr>
-          <p:cNvPr id="92" name="矩形标注 91"/>
-          <p:cNvSpPr/>
-          <p:nvPr/>
-        </p:nvSpPr>
-        <p:spPr>
-          <a:xfrm>
-            <a:off x="891221" y="2315097"/>
-            <a:ext cx="1299254" cy="575703"/>
-          </a:xfrm>
-          <a:prstGeom prst="wedgeRectCallout">
-            <a:avLst>
-              <a:gd name="adj1" fmla="val 84673"/>
-              <a:gd name="adj2" fmla="val 158039"/>
-            </a:avLst>
-          </a:prstGeom>
-          <a:solidFill>
-            <a:schemeClr val="tx1">
-              <a:lumMod val="85000"/>
-              <a:alpha val="50000"/>
-            </a:schemeClr>
-          </a:solidFill>
-          <a:ln>
-            <a:noFill/>
-          </a:ln>
-        </p:spPr>
-        <p:style>
-          <a:lnRef idx="0">
-            <a:scrgbClr r="0" g="0" b="0"/>
-          </a:lnRef>
-          <a:fillRef idx="0">
-            <a:scrgbClr r="0" g="0" b="0"/>
-          </a:fillRef>
-          <a:effectRef idx="0">
-            <a:scrgbClr r="0" g="0" b="0"/>
-          </a:effectRef>
-          <a:fontRef idx="minor">
-            <a:schemeClr val="lt1"/>
-          </a:fontRef>
-        </p:style>
-        <p:txBody>
-          <a:bodyPr rtlCol="0" anchor="ctr"/>
-          <a:lstStyle/>
-          <a:p>
-            <a:r>
-              <a:rPr lang="en-US" altLang="zh-CN" sz="1200" dirty="0" smtClean="0">
-                <a:solidFill>
-                  <a:schemeClr val="accent3"/>
-                </a:solidFill>
-                <a:latin typeface="微软雅黑" panose="020B0503020204020204" pitchFamily="34" charset="-122"/>
-                <a:ea typeface="微软雅黑" panose="020B0503020204020204" pitchFamily="34" charset="-122"/>
-              </a:rPr>
-              <a:t>server</a:t>
-            </a:r>
-            <a:r>
-              <a:rPr lang="zh-CN" altLang="en-US" sz="1200" dirty="0" smtClean="0">
-                <a:solidFill>
-                  <a:schemeClr val="accent3"/>
-                </a:solidFill>
-                <a:latin typeface="微软雅黑" panose="020B0503020204020204" pitchFamily="34" charset="-122"/>
-                <a:ea typeface="微软雅黑" panose="020B0503020204020204" pitchFamily="34" charset="-122"/>
-              </a:rPr>
-              <a:t>层创建的临时文件</a:t>
-            </a:r>
-            <a:endParaRPr lang="en-US" altLang="zh-CN" sz="1200" dirty="0">
-              <a:solidFill>
-                <a:schemeClr val="accent3"/>
-              </a:solidFill>
-              <a:latin typeface="微软雅黑" panose="020B0503020204020204" pitchFamily="34" charset="-122"/>
-              <a:ea typeface="微软雅黑" panose="020B0503020204020204" pitchFamily="34" charset="-122"/>
-            </a:endParaRPr>
-          </a:p>
-        </p:txBody>
-      </p:sp>
-      <p:sp>
-        <p:nvSpPr>
-          <p:cNvPr id="97" name="矩形标注 96"/>
-          <p:cNvSpPr/>
-          <p:nvPr/>
-        </p:nvSpPr>
-        <p:spPr>
-          <a:xfrm>
-            <a:off x="10210800" y="2365202"/>
-            <a:ext cx="1299254" cy="575703"/>
-          </a:xfrm>
-          <a:prstGeom prst="wedgeRectCallout">
-            <a:avLst>
-              <a:gd name="adj1" fmla="val -169277"/>
-              <a:gd name="adj2" fmla="val 138185"/>
-            </a:avLst>
-          </a:prstGeom>
-          <a:solidFill>
-            <a:schemeClr val="tx1">
-              <a:lumMod val="85000"/>
-              <a:alpha val="50000"/>
-            </a:schemeClr>
-          </a:solidFill>
-          <a:ln>
-            <a:noFill/>
-          </a:ln>
-        </p:spPr>
-        <p:style>
-          <a:lnRef idx="0">
-            <a:scrgbClr r="0" g="0" b="0"/>
-          </a:lnRef>
-          <a:fillRef idx="0">
-            <a:scrgbClr r="0" g="0" b="0"/>
-          </a:fillRef>
-          <a:effectRef idx="0">
-            <a:scrgbClr r="0" g="0" b="0"/>
-          </a:effectRef>
-          <a:fontRef idx="minor">
-            <a:schemeClr val="lt1"/>
-          </a:fontRef>
-        </p:style>
-        <p:txBody>
-          <a:bodyPr rtlCol="0" anchor="ctr"/>
-          <a:lstStyle/>
-          <a:p>
-            <a:r>
-              <a:rPr lang="en-US" altLang="zh-CN" sz="1200" dirty="0" err="1" smtClean="0">
-                <a:solidFill>
-                  <a:schemeClr val="accent3"/>
-                </a:solidFill>
-                <a:latin typeface="微软雅黑" panose="020B0503020204020204" pitchFamily="34" charset="-122"/>
-                <a:ea typeface="微软雅黑" panose="020B0503020204020204" pitchFamily="34" charset="-122"/>
-              </a:rPr>
-              <a:t>InnoDB</a:t>
-            </a:r>
-            <a:r>
-              <a:rPr lang="zh-CN" altLang="en-US" sz="1200" dirty="0" smtClean="0">
-                <a:solidFill>
-                  <a:schemeClr val="accent3"/>
-                </a:solidFill>
-                <a:latin typeface="微软雅黑" panose="020B0503020204020204" pitchFamily="34" charset="-122"/>
-                <a:ea typeface="微软雅黑" panose="020B0503020204020204" pitchFamily="34" charset="-122"/>
-              </a:rPr>
-              <a:t>引擎内部自己创建的临时文件</a:t>
-            </a:r>
-            <a:endParaRPr lang="en-US" altLang="zh-CN" sz="1200" dirty="0">
-              <a:solidFill>
-                <a:schemeClr val="accent3"/>
-              </a:solidFill>
-              <a:latin typeface="微软雅黑" panose="020B0503020204020204" pitchFamily="34" charset="-122"/>
-              <a:ea typeface="微软雅黑" panose="020B0503020204020204" pitchFamily="34" charset="-122"/>
-            </a:endParaRPr>
-          </a:p>
-        </p:txBody>
-      </p:sp>
-    </p:spTree>
-    <p:extLst>
-      <p:ext uri="{BB962C8B-B14F-4D97-AF65-F5344CB8AC3E}">
-        <p14:creationId xmlns:p14="http://schemas.microsoft.com/office/powerpoint/2010/main" val="1027377704"/>
-      </p:ext>
-    </p:extLst>
-  </p:cSld>
-  <p:clrMapOvr>
-    <a:masterClrMapping/>
-  </p:clrMapOvr>
-  <p:timing>
-    <p:tnLst>
-      <p:par>
-        <p:cTn id="1" dur="indefinite" restart="never" nodeType="tmRoot"/>
-      </p:par>
-    </p:tnLst>
-  </p:timing>
-</p:sld>
-</file>
-
-<file path=ppt/slides/slide6.xml><?xml version="1.0" encoding="utf-8"?>
-<p:sld xmlns:a="http://schemas.openxmlformats.org/drawingml/2006/main" xmlns:r="http://schemas.openxmlformats.org/officeDocument/2006/relationships" xmlns:p="http://schemas.openxmlformats.org/presentationml/2006/main">
-  <p:cSld>
-    <p:spTree>
-      <p:nvGrpSpPr>
-        <p:cNvPr id="1" name=""/>
-        <p:cNvGrpSpPr/>
-        <p:nvPr/>
-      </p:nvGrpSpPr>
-      <p:grpSpPr>
-        <a:xfrm>
-          <a:off x="0" y="0"/>
-          <a:ext cx="0" cy="0"/>
-          <a:chOff x="0" y="0"/>
-          <a:chExt cx="0" cy="0"/>
-        </a:xfrm>
-      </p:grpSpPr>
-      <p:sp>
-        <p:nvSpPr>
-          <p:cNvPr id="2" name="标题 1"/>
-          <p:cNvSpPr>
-            <a:spLocks noGrp="1"/>
-          </p:cNvSpPr>
-          <p:nvPr>
-            <p:ph type="title"/>
-          </p:nvPr>
-        </p:nvSpPr>
-        <p:spPr>
-          <a:xfrm>
-            <a:off x="114300" y="152400"/>
-            <a:ext cx="11149057" cy="602359"/>
-          </a:xfrm>
-        </p:spPr>
-        <p:txBody>
-          <a:bodyPr/>
-          <a:lstStyle/>
-          <a:p>
-            <a:r>
-              <a:rPr lang="en-US" altLang="zh-CN" sz="3200" b="1" dirty="0">
-                <a:latin typeface="微软雅黑" panose="020B0503020204020204" pitchFamily="34" charset="-122"/>
-                <a:ea typeface="微软雅黑" panose="020B0503020204020204" pitchFamily="34" charset="-122"/>
-              </a:rPr>
-              <a:t>13 | </a:t>
-            </a:r>
-            <a:r>
-              <a:rPr lang="zh-CN" altLang="en-US" sz="3200" b="1" dirty="0">
-                <a:latin typeface="微软雅黑" panose="020B0503020204020204" pitchFamily="34" charset="-122"/>
-                <a:ea typeface="微软雅黑" panose="020B0503020204020204" pitchFamily="34" charset="-122"/>
-              </a:rPr>
-              <a:t>为什么表数据删掉一半，表文件大小不变？</a:t>
-            </a:r>
-          </a:p>
-        </p:txBody>
-      </p:sp>
-      <p:sp>
-        <p:nvSpPr>
-          <p:cNvPr id="7" name="文本框 6"/>
-          <p:cNvSpPr txBox="1"/>
-          <p:nvPr/>
-        </p:nvSpPr>
-        <p:spPr>
-          <a:xfrm>
-            <a:off x="114300" y="842111"/>
-            <a:ext cx="2658100" cy="369332"/>
-          </a:xfrm>
-          <a:prstGeom prst="rect">
-            <a:avLst/>
-          </a:prstGeom>
-          <a:noFill/>
-        </p:spPr>
-        <p:txBody>
-          <a:bodyPr wrap="none">
-            <a:spAutoFit/>
-            <a:scene3d>
-              <a:camera prst="orthographicFront"/>
-              <a:lightRig rig="harsh" dir="t"/>
-            </a:scene3d>
-            <a:sp3d extrusionH="57150" prstMaterial="matte">
-              <a:bevelT w="63500" h="12700" prst="angle"/>
-              <a:contourClr>
-                <a:schemeClr val="bg1">
-                  <a:lumMod val="65000"/>
-                </a:schemeClr>
-              </a:contourClr>
-            </a:sp3d>
-          </a:bodyPr>
-          <a:lstStyle/>
-          <a:p>
-            <a:pPr>
-              <a:defRPr/>
-            </a:pPr>
-            <a:r>
-              <a:rPr lang="en-US" altLang="zh-CN" b="1" dirty="0" err="1" smtClean="0">
-                <a:ln/>
-                <a:solidFill>
-                  <a:srgbClr val="4FD1FF"/>
-                </a:solidFill>
-                <a:latin typeface="微软雅黑" panose="020B0503020204020204" pitchFamily="34" charset="-122"/>
-                <a:ea typeface="微软雅黑" panose="020B0503020204020204" pitchFamily="34" charset="-122"/>
-              </a:rPr>
-              <a:t>inplace</a:t>
-            </a:r>
-            <a:r>
-              <a:rPr lang="zh-CN" altLang="en-US" b="1" dirty="0" smtClean="0">
-                <a:ln/>
-                <a:solidFill>
-                  <a:srgbClr val="4FD1FF"/>
-                </a:solidFill>
-                <a:latin typeface="微软雅黑" panose="020B0503020204020204" pitchFamily="34" charset="-122"/>
-                <a:ea typeface="微软雅黑" panose="020B0503020204020204" pitchFamily="34" charset="-122"/>
-              </a:rPr>
-              <a:t>和</a:t>
-            </a:r>
-            <a:r>
-              <a:rPr lang="en-US" altLang="zh-CN" b="1" dirty="0" smtClean="0">
-                <a:ln/>
-                <a:solidFill>
-                  <a:srgbClr val="4FD1FF"/>
-                </a:solidFill>
-                <a:latin typeface="微软雅黑" panose="020B0503020204020204" pitchFamily="34" charset="-122"/>
-                <a:ea typeface="微软雅黑" panose="020B0503020204020204" pitchFamily="34" charset="-122"/>
-              </a:rPr>
-              <a:t>online</a:t>
-            </a:r>
-            <a:r>
-              <a:rPr lang="zh-CN" altLang="en-US" b="1" dirty="0" smtClean="0">
-                <a:ln/>
-                <a:solidFill>
-                  <a:srgbClr val="4FD1FF"/>
-                </a:solidFill>
-                <a:latin typeface="微软雅黑" panose="020B0503020204020204" pitchFamily="34" charset="-122"/>
-                <a:ea typeface="微软雅黑" panose="020B0503020204020204" pitchFamily="34" charset="-122"/>
-              </a:rPr>
-              <a:t>的关系</a:t>
-            </a:r>
-            <a:endParaRPr lang="en-US" altLang="zh-CN" b="1" dirty="0">
-              <a:ln/>
-              <a:solidFill>
-                <a:srgbClr val="4FD1FF"/>
-              </a:solidFill>
-              <a:latin typeface="微软雅黑" panose="020B0503020204020204" pitchFamily="34" charset="-122"/>
-              <a:ea typeface="微软雅黑" panose="020B0503020204020204" pitchFamily="34" charset="-122"/>
-            </a:endParaRPr>
-          </a:p>
-        </p:txBody>
-      </p:sp>
-      <p:sp>
-        <p:nvSpPr>
-          <p:cNvPr id="44" name="矩形 43"/>
-          <p:cNvSpPr/>
-          <p:nvPr/>
-        </p:nvSpPr>
-        <p:spPr>
-          <a:xfrm>
-            <a:off x="114299" y="1301026"/>
-            <a:ext cx="8710523" cy="584775"/>
-          </a:xfrm>
-          <a:prstGeom prst="rect">
-            <a:avLst/>
-          </a:prstGeom>
-        </p:spPr>
-        <p:txBody>
-          <a:bodyPr wrap="square">
-            <a:spAutoFit/>
-          </a:bodyPr>
-          <a:lstStyle/>
-          <a:p>
-            <a:r>
-              <a:rPr lang="en-US" altLang="zh-CN" sz="1600" dirty="0" smtClean="0">
-                <a:solidFill>
-                  <a:srgbClr val="92D050"/>
-                </a:solidFill>
-                <a:latin typeface="微软雅黑" panose="020B0503020204020204" pitchFamily="34" charset="-122"/>
-                <a:ea typeface="微软雅黑" panose="020B0503020204020204" pitchFamily="34" charset="-122"/>
-              </a:rPr>
-              <a:t>1</a:t>
-            </a:r>
-            <a:r>
-              <a:rPr lang="zh-CN" altLang="en-US" sz="1600" dirty="0" smtClean="0">
-                <a:solidFill>
-                  <a:srgbClr val="92D050"/>
-                </a:solidFill>
-                <a:latin typeface="微软雅黑" panose="020B0503020204020204" pitchFamily="34" charset="-122"/>
-                <a:ea typeface="微软雅黑" panose="020B0503020204020204" pitchFamily="34" charset="-122"/>
-              </a:rPr>
-              <a:t>，</a:t>
-            </a:r>
-            <a:r>
-              <a:rPr lang="en-US" altLang="zh-CN" sz="1600" dirty="0" smtClean="0">
-                <a:solidFill>
-                  <a:srgbClr val="92D050"/>
-                </a:solidFill>
-                <a:latin typeface="微软雅黑" panose="020B0503020204020204" pitchFamily="34" charset="-122"/>
-                <a:ea typeface="微软雅黑" panose="020B0503020204020204" pitchFamily="34" charset="-122"/>
-              </a:rPr>
-              <a:t>DDL</a:t>
-            </a:r>
-            <a:r>
-              <a:rPr lang="zh-CN" altLang="en-US" sz="1600" dirty="0" smtClean="0">
-                <a:solidFill>
-                  <a:srgbClr val="92D050"/>
-                </a:solidFill>
-                <a:latin typeface="微软雅黑" panose="020B0503020204020204" pitchFamily="34" charset="-122"/>
-                <a:ea typeface="微软雅黑" panose="020B0503020204020204" pitchFamily="34" charset="-122"/>
-              </a:rPr>
-              <a:t>过程如果是</a:t>
-            </a:r>
-            <a:r>
-              <a:rPr lang="en-US" altLang="zh-CN" sz="1600" dirty="0" smtClean="0">
-                <a:solidFill>
-                  <a:srgbClr val="92D050"/>
-                </a:solidFill>
-                <a:latin typeface="微软雅黑" panose="020B0503020204020204" pitchFamily="34" charset="-122"/>
-                <a:ea typeface="微软雅黑" panose="020B0503020204020204" pitchFamily="34" charset="-122"/>
-              </a:rPr>
-              <a:t>online</a:t>
-            </a:r>
-            <a:r>
-              <a:rPr lang="zh-CN" altLang="en-US" sz="1600" dirty="0" smtClean="0">
-                <a:solidFill>
-                  <a:srgbClr val="92D050"/>
-                </a:solidFill>
-                <a:latin typeface="微软雅黑" panose="020B0503020204020204" pitchFamily="34" charset="-122"/>
-                <a:ea typeface="微软雅黑" panose="020B0503020204020204" pitchFamily="34" charset="-122"/>
-              </a:rPr>
-              <a:t>的，就一定是</a:t>
-            </a:r>
-            <a:r>
-              <a:rPr lang="en-US" altLang="zh-CN" sz="1600" dirty="0" err="1" smtClean="0">
-                <a:solidFill>
-                  <a:srgbClr val="92D050"/>
-                </a:solidFill>
-                <a:latin typeface="微软雅黑" panose="020B0503020204020204" pitchFamily="34" charset="-122"/>
-                <a:ea typeface="微软雅黑" panose="020B0503020204020204" pitchFamily="34" charset="-122"/>
-              </a:rPr>
-              <a:t>inplace</a:t>
-            </a:r>
-            <a:r>
-              <a:rPr lang="zh-CN" altLang="en-US" sz="1600" dirty="0" smtClean="0">
-                <a:solidFill>
-                  <a:srgbClr val="92D050"/>
-                </a:solidFill>
-                <a:latin typeface="微软雅黑" panose="020B0503020204020204" pitchFamily="34" charset="-122"/>
-                <a:ea typeface="微软雅黑" panose="020B0503020204020204" pitchFamily="34" charset="-122"/>
-              </a:rPr>
-              <a:t>的。</a:t>
-            </a:r>
-            <a:endParaRPr lang="en-US" altLang="zh-CN" sz="1600" dirty="0" smtClean="0">
-              <a:solidFill>
-                <a:srgbClr val="92D050"/>
-              </a:solidFill>
-              <a:latin typeface="微软雅黑" panose="020B0503020204020204" pitchFamily="34" charset="-122"/>
-              <a:ea typeface="微软雅黑" panose="020B0503020204020204" pitchFamily="34" charset="-122"/>
-            </a:endParaRPr>
-          </a:p>
-          <a:p>
-            <a:r>
-              <a:rPr lang="en-US" altLang="zh-CN" sz="1600" dirty="0" smtClean="0">
-                <a:solidFill>
-                  <a:srgbClr val="92D050"/>
-                </a:solidFill>
-                <a:latin typeface="微软雅黑" panose="020B0503020204020204" pitchFamily="34" charset="-122"/>
-                <a:ea typeface="微软雅黑" panose="020B0503020204020204" pitchFamily="34" charset="-122"/>
-              </a:rPr>
-              <a:t>2</a:t>
-            </a:r>
-            <a:r>
-              <a:rPr lang="zh-CN" altLang="en-US" sz="1600" dirty="0" smtClean="0">
-                <a:solidFill>
-                  <a:srgbClr val="92D050"/>
-                </a:solidFill>
-                <a:latin typeface="微软雅黑" panose="020B0503020204020204" pitchFamily="34" charset="-122"/>
-                <a:ea typeface="微软雅黑" panose="020B0503020204020204" pitchFamily="34" charset="-122"/>
-              </a:rPr>
-              <a:t>，反过来未必，即</a:t>
-            </a:r>
-            <a:r>
-              <a:rPr lang="en-US" altLang="zh-CN" sz="1600" dirty="0" err="1" smtClean="0">
-                <a:solidFill>
-                  <a:srgbClr val="92D050"/>
-                </a:solidFill>
-                <a:latin typeface="微软雅黑" panose="020B0503020204020204" pitchFamily="34" charset="-122"/>
-                <a:ea typeface="微软雅黑" panose="020B0503020204020204" pitchFamily="34" charset="-122"/>
-              </a:rPr>
-              <a:t>inplace</a:t>
-            </a:r>
-            <a:r>
-              <a:rPr lang="zh-CN" altLang="en-US" sz="1600" dirty="0" smtClean="0">
-                <a:solidFill>
-                  <a:srgbClr val="92D050"/>
-                </a:solidFill>
-                <a:latin typeface="微软雅黑" panose="020B0503020204020204" pitchFamily="34" charset="-122"/>
-                <a:ea typeface="微软雅黑" panose="020B0503020204020204" pitchFamily="34" charset="-122"/>
-              </a:rPr>
-              <a:t>的</a:t>
-            </a:r>
-            <a:r>
-              <a:rPr lang="en-US" altLang="zh-CN" sz="1600" dirty="0" smtClean="0">
-                <a:solidFill>
-                  <a:srgbClr val="92D050"/>
-                </a:solidFill>
-                <a:latin typeface="微软雅黑" panose="020B0503020204020204" pitchFamily="34" charset="-122"/>
-                <a:ea typeface="微软雅黑" panose="020B0503020204020204" pitchFamily="34" charset="-122"/>
-              </a:rPr>
-              <a:t>DDL</a:t>
-            </a:r>
-            <a:r>
-              <a:rPr lang="zh-CN" altLang="en-US" sz="1600" dirty="0" smtClean="0">
-                <a:solidFill>
-                  <a:srgbClr val="92D050"/>
-                </a:solidFill>
-                <a:latin typeface="微软雅黑" panose="020B0503020204020204" pitchFamily="34" charset="-122"/>
-                <a:ea typeface="微软雅黑" panose="020B0503020204020204" pitchFamily="34" charset="-122"/>
-              </a:rPr>
-              <a:t>，有可能不是</a:t>
-            </a:r>
-            <a:r>
-              <a:rPr lang="en-US" altLang="zh-CN" sz="1600" dirty="0" smtClean="0">
-                <a:solidFill>
-                  <a:srgbClr val="92D050"/>
-                </a:solidFill>
-                <a:latin typeface="微软雅黑" panose="020B0503020204020204" pitchFamily="34" charset="-122"/>
-                <a:ea typeface="微软雅黑" panose="020B0503020204020204" pitchFamily="34" charset="-122"/>
-              </a:rPr>
-              <a:t>online</a:t>
-            </a:r>
-            <a:r>
-              <a:rPr lang="zh-CN" altLang="en-US" sz="1600" dirty="0" smtClean="0">
-                <a:solidFill>
-                  <a:srgbClr val="92D050"/>
-                </a:solidFill>
-                <a:latin typeface="微软雅黑" panose="020B0503020204020204" pitchFamily="34" charset="-122"/>
-                <a:ea typeface="微软雅黑" panose="020B0503020204020204" pitchFamily="34" charset="-122"/>
-              </a:rPr>
-              <a:t>的，比如添加全文索引、空间索引</a:t>
-            </a:r>
-            <a:r>
-              <a:rPr lang="zh-CN" altLang="en-US" sz="1600" dirty="0">
-                <a:solidFill>
-                  <a:srgbClr val="92D050"/>
-                </a:solidFill>
-                <a:latin typeface="微软雅黑" panose="020B0503020204020204" pitchFamily="34" charset="-122"/>
-                <a:ea typeface="微软雅黑" panose="020B0503020204020204" pitchFamily="34" charset="-122"/>
-              </a:rPr>
-              <a:t>等</a:t>
-            </a:r>
-            <a:endParaRPr lang="en-US" altLang="zh-CN" sz="1600" dirty="0" smtClean="0">
-              <a:solidFill>
-                <a:srgbClr val="92D050"/>
-              </a:solidFill>
-              <a:latin typeface="微软雅黑" panose="020B0503020204020204" pitchFamily="34" charset="-122"/>
-              <a:ea typeface="微软雅黑" panose="020B0503020204020204" pitchFamily="34" charset="-122"/>
-            </a:endParaRPr>
-          </a:p>
-        </p:txBody>
-      </p:sp>
-      <p:sp>
-        <p:nvSpPr>
-          <p:cNvPr id="20" name="矩形 19"/>
-          <p:cNvSpPr/>
-          <p:nvPr/>
-        </p:nvSpPr>
-        <p:spPr>
-          <a:xfrm>
-            <a:off x="715273" y="3463381"/>
-            <a:ext cx="9118840" cy="830997"/>
-          </a:xfrm>
-          <a:prstGeom prst="rect">
-            <a:avLst/>
-          </a:prstGeom>
-        </p:spPr>
-        <p:txBody>
-          <a:bodyPr wrap="square">
-            <a:spAutoFit/>
-          </a:bodyPr>
-          <a:lstStyle/>
-          <a:p>
-            <a:r>
-              <a:rPr lang="fr-FR" altLang="zh-CN" sz="1600" dirty="0">
-                <a:solidFill>
-                  <a:srgbClr val="92D050"/>
-                </a:solidFill>
-                <a:latin typeface="微软雅黑" panose="020B0503020204020204" pitchFamily="34" charset="-122"/>
-                <a:ea typeface="微软雅黑" panose="020B0503020204020204" pitchFamily="34" charset="-122"/>
-              </a:rPr>
-              <a:t>alter table t engine = </a:t>
-            </a:r>
-            <a:r>
-              <a:rPr lang="fr-FR" altLang="zh-CN" sz="1600" dirty="0" smtClean="0">
-                <a:solidFill>
-                  <a:srgbClr val="92D050"/>
-                </a:solidFill>
-                <a:latin typeface="微软雅黑" panose="020B0503020204020204" pitchFamily="34" charset="-122"/>
-                <a:ea typeface="微软雅黑" panose="020B0503020204020204" pitchFamily="34" charset="-122"/>
-              </a:rPr>
-              <a:t>InnoDB</a:t>
-            </a:r>
-            <a:r>
-              <a:rPr lang="zh-CN" altLang="en-US" sz="1600" dirty="0" smtClean="0">
-                <a:solidFill>
-                  <a:srgbClr val="92D050"/>
-                </a:solidFill>
-                <a:latin typeface="微软雅黑" panose="020B0503020204020204" pitchFamily="34" charset="-122"/>
-                <a:ea typeface="微软雅黑" panose="020B0503020204020204" pitchFamily="34" charset="-122"/>
-              </a:rPr>
-              <a:t>：就是重建表（上页</a:t>
-            </a:r>
-            <a:r>
-              <a:rPr lang="en-US" altLang="zh-CN" sz="1600" dirty="0" smtClean="0">
-                <a:solidFill>
-                  <a:srgbClr val="92D050"/>
-                </a:solidFill>
-                <a:latin typeface="微软雅黑" panose="020B0503020204020204" pitchFamily="34" charset="-122"/>
-                <a:ea typeface="微软雅黑" panose="020B0503020204020204" pitchFamily="34" charset="-122"/>
-              </a:rPr>
-              <a:t>PPT</a:t>
-            </a:r>
-            <a:r>
-              <a:rPr lang="zh-CN" altLang="en-US" sz="1600" dirty="0" smtClean="0">
-                <a:solidFill>
-                  <a:srgbClr val="92D050"/>
-                </a:solidFill>
-                <a:latin typeface="微软雅黑" panose="020B0503020204020204" pitchFamily="34" charset="-122"/>
-                <a:ea typeface="微软雅黑" panose="020B0503020204020204" pitchFamily="34" charset="-122"/>
-              </a:rPr>
-              <a:t>右边的图）整理空洞</a:t>
-            </a:r>
-            <a:endParaRPr lang="en-US" altLang="zh-CN" sz="1600" dirty="0" smtClean="0">
-              <a:solidFill>
-                <a:srgbClr val="92D050"/>
-              </a:solidFill>
-              <a:latin typeface="微软雅黑" panose="020B0503020204020204" pitchFamily="34" charset="-122"/>
-              <a:ea typeface="微软雅黑" panose="020B0503020204020204" pitchFamily="34" charset="-122"/>
-            </a:endParaRPr>
-          </a:p>
-          <a:p>
-            <a:r>
-              <a:rPr lang="en-US" altLang="zh-CN" sz="1600" dirty="0">
-                <a:solidFill>
-                  <a:srgbClr val="92D050"/>
-                </a:solidFill>
-                <a:latin typeface="微软雅黑" panose="020B0503020204020204" pitchFamily="34" charset="-122"/>
-                <a:ea typeface="微软雅黑" panose="020B0503020204020204" pitchFamily="34" charset="-122"/>
-              </a:rPr>
-              <a:t>analyze table </a:t>
-            </a:r>
-            <a:r>
-              <a:rPr lang="en-US" altLang="zh-CN" sz="1600" dirty="0" smtClean="0">
-                <a:solidFill>
-                  <a:srgbClr val="92D050"/>
-                </a:solidFill>
-                <a:latin typeface="微软雅黑" panose="020B0503020204020204" pitchFamily="34" charset="-122"/>
-                <a:ea typeface="微软雅黑" panose="020B0503020204020204" pitchFamily="34" charset="-122"/>
-              </a:rPr>
-              <a:t>t</a:t>
-            </a:r>
-            <a:r>
-              <a:rPr lang="zh-CN" altLang="en-US" sz="1600" dirty="0" smtClean="0">
-                <a:solidFill>
-                  <a:srgbClr val="92D050"/>
-                </a:solidFill>
-                <a:latin typeface="微软雅黑" panose="020B0503020204020204" pitchFamily="34" charset="-122"/>
-                <a:ea typeface="微软雅黑" panose="020B0503020204020204" pitchFamily="34" charset="-122"/>
-              </a:rPr>
-              <a:t>：不是重建表，对表的索引信息做重新统计，没有修改数据。过程中加了</a:t>
-            </a:r>
-            <a:r>
-              <a:rPr lang="en-US" altLang="zh-CN" sz="1600" dirty="0" smtClean="0">
-                <a:solidFill>
-                  <a:srgbClr val="92D050"/>
-                </a:solidFill>
-                <a:latin typeface="微软雅黑" panose="020B0503020204020204" pitchFamily="34" charset="-122"/>
-                <a:ea typeface="微软雅黑" panose="020B0503020204020204" pitchFamily="34" charset="-122"/>
-              </a:rPr>
-              <a:t>MDL</a:t>
-            </a:r>
-            <a:r>
-              <a:rPr lang="zh-CN" altLang="en-US" sz="1600" dirty="0" smtClean="0">
-                <a:solidFill>
-                  <a:srgbClr val="92D050"/>
-                </a:solidFill>
-                <a:latin typeface="微软雅黑" panose="020B0503020204020204" pitchFamily="34" charset="-122"/>
-                <a:ea typeface="微软雅黑" panose="020B0503020204020204" pitchFamily="34" charset="-122"/>
-              </a:rPr>
-              <a:t>锁。</a:t>
-            </a:r>
-            <a:endParaRPr lang="en-US" altLang="zh-CN" sz="1600" dirty="0" smtClean="0">
-              <a:solidFill>
-                <a:srgbClr val="92D050"/>
-              </a:solidFill>
-              <a:latin typeface="微软雅黑" panose="020B0503020204020204" pitchFamily="34" charset="-122"/>
-              <a:ea typeface="微软雅黑" panose="020B0503020204020204" pitchFamily="34" charset="-122"/>
-            </a:endParaRPr>
-          </a:p>
-          <a:p>
-            <a:r>
-              <a:rPr lang="en-US" altLang="zh-CN" sz="1600" dirty="0">
-                <a:solidFill>
-                  <a:srgbClr val="92D050"/>
-                </a:solidFill>
-                <a:latin typeface="微软雅黑" panose="020B0503020204020204" pitchFamily="34" charset="-122"/>
-                <a:ea typeface="微软雅黑" panose="020B0503020204020204" pitchFamily="34" charset="-122"/>
-              </a:rPr>
-              <a:t>optimize table </a:t>
-            </a:r>
-            <a:r>
-              <a:rPr lang="en-US" altLang="zh-CN" sz="1600" dirty="0" smtClean="0">
-                <a:solidFill>
-                  <a:srgbClr val="92D050"/>
-                </a:solidFill>
-                <a:latin typeface="微软雅黑" panose="020B0503020204020204" pitchFamily="34" charset="-122"/>
-                <a:ea typeface="微软雅黑" panose="020B0503020204020204" pitchFamily="34" charset="-122"/>
-              </a:rPr>
-              <a:t>t</a:t>
-            </a:r>
-            <a:r>
-              <a:rPr lang="zh-CN" altLang="en-US" sz="1600" dirty="0" smtClean="0">
-                <a:solidFill>
-                  <a:srgbClr val="92D050"/>
-                </a:solidFill>
-                <a:latin typeface="微软雅黑" panose="020B0503020204020204" pitchFamily="34" charset="-122"/>
-                <a:ea typeface="微软雅黑" panose="020B0503020204020204" pitchFamily="34" charset="-122"/>
-              </a:rPr>
-              <a:t>： </a:t>
-            </a:r>
-            <a:r>
-              <a:rPr lang="en-US" altLang="zh-CN" sz="1600" dirty="0" smtClean="0">
-                <a:solidFill>
-                  <a:srgbClr val="92D050"/>
-                </a:solidFill>
-                <a:latin typeface="微软雅黑" panose="020B0503020204020204" pitchFamily="34" charset="-122"/>
-                <a:ea typeface="微软雅黑" panose="020B0503020204020204" pitchFamily="34" charset="-122"/>
-              </a:rPr>
-              <a:t>alter table + analyze table</a:t>
-            </a:r>
-          </a:p>
-        </p:txBody>
-      </p:sp>
-      <p:sp>
-        <p:nvSpPr>
-          <p:cNvPr id="21" name="文本框 20"/>
-          <p:cNvSpPr txBox="1"/>
-          <p:nvPr/>
-        </p:nvSpPr>
-        <p:spPr>
-          <a:xfrm>
-            <a:off x="114299" y="2682521"/>
-            <a:ext cx="2031325" cy="369332"/>
-          </a:xfrm>
-          <a:prstGeom prst="rect">
-            <a:avLst/>
-          </a:prstGeom>
-          <a:noFill/>
-        </p:spPr>
-        <p:txBody>
-          <a:bodyPr wrap="none">
-            <a:spAutoFit/>
-            <a:scene3d>
-              <a:camera prst="orthographicFront"/>
-              <a:lightRig rig="harsh" dir="t"/>
-            </a:scene3d>
-            <a:sp3d extrusionH="57150" prstMaterial="matte">
-              <a:bevelT w="63500" h="12700" prst="angle"/>
-              <a:contourClr>
-                <a:schemeClr val="bg1">
-                  <a:lumMod val="65000"/>
-                </a:schemeClr>
-              </a:contourClr>
-            </a:sp3d>
-          </a:bodyPr>
-          <a:lstStyle/>
-          <a:p>
-            <a:pPr>
-              <a:defRPr/>
-            </a:pPr>
-            <a:r>
-              <a:rPr lang="zh-CN" altLang="en-US" b="1" dirty="0" smtClean="0">
-                <a:ln/>
-                <a:solidFill>
-                  <a:srgbClr val="4FD1FF"/>
-                </a:solidFill>
-                <a:latin typeface="微软雅黑" panose="020B0503020204020204" pitchFamily="34" charset="-122"/>
-                <a:ea typeface="微软雅黑" panose="020B0503020204020204" pitchFamily="34" charset="-122"/>
-              </a:rPr>
-              <a:t>三种重建表的方式</a:t>
-            </a:r>
-            <a:endParaRPr lang="en-US" altLang="zh-CN" b="1" dirty="0">
-              <a:ln/>
-              <a:solidFill>
-                <a:srgbClr val="4FD1FF"/>
-              </a:solidFill>
-              <a:latin typeface="微软雅黑" panose="020B0503020204020204" pitchFamily="34" charset="-122"/>
-              <a:ea typeface="微软雅黑" panose="020B0503020204020204" pitchFamily="34" charset="-122"/>
-            </a:endParaRPr>
-          </a:p>
-        </p:txBody>
-      </p:sp>
-    </p:spTree>
-    <p:extLst>
-      <p:ext uri="{BB962C8B-B14F-4D97-AF65-F5344CB8AC3E}">
-        <p14:creationId xmlns:p14="http://schemas.microsoft.com/office/powerpoint/2010/main" val="2005579700"/>
-      </p:ext>
-    </p:extLst>
-  </p:cSld>
-  <p:clrMapOvr>
-    <a:masterClrMapping/>
-  </p:clrMapOvr>
-  <p:timing>
-    <p:tnLst>
-      <p:par>
-        <p:cTn id="1" dur="indefinite" restart="never" nodeType="tmRoot"/>
-      </p:par>
-    </p:tnLst>
-  </p:timing>
-</p:sld>
-</file>
-
-<file path=ppt/slides/slide7.xml><?xml version="1.0" encoding="utf-8"?>
-<p:sld xmlns:a="http://schemas.openxmlformats.org/drawingml/2006/main" xmlns:r="http://schemas.openxmlformats.org/officeDocument/2006/relationships" xmlns:p="http://schemas.openxmlformats.org/presentationml/2006/main">
-  <p:cSld>
-    <p:spTree>
-      <p:nvGrpSpPr>
-        <p:cNvPr id="1" name=""/>
-        <p:cNvGrpSpPr/>
-        <p:nvPr/>
-      </p:nvGrpSpPr>
-      <p:grpSpPr>
-        <a:xfrm>
-          <a:off x="0" y="0"/>
-          <a:ext cx="0" cy="0"/>
-          <a:chOff x="0" y="0"/>
-          <a:chExt cx="0" cy="0"/>
-        </a:xfrm>
-      </p:grpSpPr>
-      <p:sp>
-        <p:nvSpPr>
-          <p:cNvPr id="2" name="标题 1"/>
-          <p:cNvSpPr>
-            <a:spLocks noGrp="1"/>
-          </p:cNvSpPr>
-          <p:nvPr>
-            <p:ph type="title"/>
-          </p:nvPr>
-        </p:nvSpPr>
-        <p:spPr>
-          <a:xfrm>
-            <a:off x="114300" y="152400"/>
-            <a:ext cx="11149057" cy="602359"/>
-          </a:xfrm>
-        </p:spPr>
-        <p:txBody>
-          <a:bodyPr/>
-          <a:lstStyle/>
-          <a:p>
-            <a:r>
-              <a:rPr lang="en-US" altLang="zh-CN" sz="3200" b="1" dirty="0">
-                <a:latin typeface="微软雅黑" panose="020B0503020204020204" pitchFamily="34" charset="-122"/>
-                <a:ea typeface="微软雅黑" panose="020B0503020204020204" pitchFamily="34" charset="-122"/>
-              </a:rPr>
-              <a:t>13 | </a:t>
-            </a:r>
-            <a:r>
-              <a:rPr lang="zh-CN" altLang="en-US" sz="3200" b="1" dirty="0">
-                <a:latin typeface="微软雅黑" panose="020B0503020204020204" pitchFamily="34" charset="-122"/>
-                <a:ea typeface="微软雅黑" panose="020B0503020204020204" pitchFamily="34" charset="-122"/>
-              </a:rPr>
-              <a:t>为什么表数据删掉一半，表文件大小不变？</a:t>
-            </a:r>
-          </a:p>
-        </p:txBody>
-      </p:sp>
-      <p:sp>
-        <p:nvSpPr>
-          <p:cNvPr id="7" name="文本框 6"/>
-          <p:cNvSpPr txBox="1"/>
-          <p:nvPr/>
-        </p:nvSpPr>
-        <p:spPr>
-          <a:xfrm>
-            <a:off x="114299" y="842111"/>
-            <a:ext cx="1338828" cy="369332"/>
-          </a:xfrm>
-          <a:prstGeom prst="rect">
-            <a:avLst/>
-          </a:prstGeom>
-          <a:noFill/>
-        </p:spPr>
-        <p:txBody>
-          <a:bodyPr wrap="none">
-            <a:spAutoFit/>
-            <a:scene3d>
-              <a:camera prst="orthographicFront"/>
-              <a:lightRig rig="harsh" dir="t"/>
-            </a:scene3d>
-            <a:sp3d extrusionH="57150" prstMaterial="matte">
-              <a:bevelT w="63500" h="12700" prst="angle"/>
-              <a:contourClr>
-                <a:schemeClr val="bg1">
-                  <a:lumMod val="65000"/>
-                </a:schemeClr>
-              </a:contourClr>
-            </a:sp3d>
-          </a:bodyPr>
-          <a:lstStyle/>
-          <a:p>
-            <a:pPr>
-              <a:defRPr/>
-            </a:pPr>
-            <a:r>
-              <a:rPr lang="zh-CN" altLang="en-US" b="1" dirty="0" smtClean="0">
-                <a:ln/>
-                <a:solidFill>
-                  <a:srgbClr val="4FD1FF"/>
-                </a:solidFill>
-                <a:latin typeface="微软雅黑" panose="020B0503020204020204" pitchFamily="34" charset="-122"/>
-                <a:ea typeface="微软雅黑" panose="020B0503020204020204" pitchFamily="34" charset="-122"/>
-              </a:rPr>
-              <a:t>一个思考题</a:t>
-            </a:r>
-            <a:endParaRPr lang="en-US" altLang="zh-CN" b="1" dirty="0">
-              <a:ln/>
-              <a:solidFill>
-                <a:srgbClr val="4FD1FF"/>
-              </a:solidFill>
-              <a:latin typeface="微软雅黑" panose="020B0503020204020204" pitchFamily="34" charset="-122"/>
-              <a:ea typeface="微软雅黑" panose="020B0503020204020204" pitchFamily="34" charset="-122"/>
-            </a:endParaRPr>
-          </a:p>
-        </p:txBody>
-      </p:sp>
-      <p:sp>
-        <p:nvSpPr>
-          <p:cNvPr id="44" name="矩形 43"/>
-          <p:cNvSpPr/>
-          <p:nvPr/>
-        </p:nvSpPr>
-        <p:spPr>
-          <a:xfrm>
-            <a:off x="114299" y="1301026"/>
-            <a:ext cx="8710523" cy="1077218"/>
-          </a:xfrm>
-          <a:prstGeom prst="rect">
-            <a:avLst/>
-          </a:prstGeom>
-        </p:spPr>
-        <p:txBody>
-          <a:bodyPr wrap="square">
-            <a:spAutoFit/>
-          </a:bodyPr>
-          <a:lstStyle/>
-          <a:p>
-            <a:r>
-              <a:rPr lang="en-US" altLang="zh-CN" sz="1600" dirty="0">
-                <a:solidFill>
-                  <a:srgbClr val="92D050"/>
-                </a:solidFill>
-                <a:latin typeface="微软雅黑" panose="020B0503020204020204" pitchFamily="34" charset="-122"/>
-                <a:ea typeface="微软雅黑" panose="020B0503020204020204" pitchFamily="34" charset="-122"/>
-              </a:rPr>
-              <a:t>alter table t </a:t>
-            </a:r>
-            <a:r>
-              <a:rPr lang="en-US" altLang="zh-CN" sz="1600" dirty="0" smtClean="0">
-                <a:solidFill>
-                  <a:srgbClr val="92D050"/>
-                </a:solidFill>
-                <a:latin typeface="微软雅黑" panose="020B0503020204020204" pitchFamily="34" charset="-122"/>
-                <a:ea typeface="微软雅黑" panose="020B0503020204020204" pitchFamily="34" charset="-122"/>
-              </a:rPr>
-              <a:t>engine=</a:t>
-            </a:r>
-            <a:r>
-              <a:rPr lang="en-US" altLang="zh-CN" sz="1600" dirty="0" err="1" smtClean="0">
-                <a:solidFill>
-                  <a:srgbClr val="92D050"/>
-                </a:solidFill>
-                <a:latin typeface="微软雅黑" panose="020B0503020204020204" pitchFamily="34" charset="-122"/>
-                <a:ea typeface="微软雅黑" panose="020B0503020204020204" pitchFamily="34" charset="-122"/>
-              </a:rPr>
-              <a:t>InnoDB</a:t>
-            </a:r>
-            <a:r>
-              <a:rPr lang="en-US" altLang="zh-CN" sz="1600" dirty="0" smtClean="0">
-                <a:solidFill>
-                  <a:srgbClr val="92D050"/>
-                </a:solidFill>
-                <a:latin typeface="微软雅黑" panose="020B0503020204020204" pitchFamily="34" charset="-122"/>
-                <a:ea typeface="微软雅黑" panose="020B0503020204020204" pitchFamily="34" charset="-122"/>
-              </a:rPr>
-              <a:t> </a:t>
-            </a:r>
-            <a:r>
-              <a:rPr lang="zh-CN" altLang="en-US" sz="1600" dirty="0" smtClean="0">
-                <a:solidFill>
-                  <a:srgbClr val="92D050"/>
-                </a:solidFill>
-                <a:latin typeface="微软雅黑" panose="020B0503020204020204" pitchFamily="34" charset="-122"/>
-                <a:ea typeface="微软雅黑" panose="020B0503020204020204" pitchFamily="34" charset="-122"/>
-              </a:rPr>
-              <a:t>可能反而会让表的大小变得更大。</a:t>
-            </a:r>
-            <a:endParaRPr lang="en-US" altLang="zh-CN" sz="1600" dirty="0" smtClean="0">
-              <a:solidFill>
-                <a:srgbClr val="92D050"/>
-              </a:solidFill>
-              <a:latin typeface="微软雅黑" panose="020B0503020204020204" pitchFamily="34" charset="-122"/>
-              <a:ea typeface="微软雅黑" panose="020B0503020204020204" pitchFamily="34" charset="-122"/>
-            </a:endParaRPr>
-          </a:p>
-          <a:p>
-            <a:endParaRPr lang="en-US" altLang="zh-CN" sz="1600" dirty="0">
-              <a:solidFill>
-                <a:srgbClr val="92D050"/>
-              </a:solidFill>
-              <a:latin typeface="微软雅黑" panose="020B0503020204020204" pitchFamily="34" charset="-122"/>
-              <a:ea typeface="微软雅黑" panose="020B0503020204020204" pitchFamily="34" charset="-122"/>
-            </a:endParaRPr>
-          </a:p>
-          <a:p>
-            <a:r>
-              <a:rPr lang="zh-CN" altLang="en-US" sz="1600" dirty="0" smtClean="0">
-                <a:solidFill>
-                  <a:srgbClr val="92D050"/>
-                </a:solidFill>
-                <a:latin typeface="微软雅黑" panose="020B0503020204020204" pitchFamily="34" charset="-122"/>
-                <a:ea typeface="微软雅黑" panose="020B0503020204020204" pitchFamily="34" charset="-122"/>
-              </a:rPr>
-              <a:t>答案：</a:t>
-            </a:r>
-            <a:r>
-              <a:rPr lang="en-US" altLang="zh-CN" sz="1600" dirty="0" smtClean="0">
-                <a:solidFill>
-                  <a:srgbClr val="92D050"/>
-                </a:solidFill>
-                <a:latin typeface="微软雅黑" panose="020B0503020204020204" pitchFamily="34" charset="-122"/>
-                <a:ea typeface="微软雅黑" panose="020B0503020204020204" pitchFamily="34" charset="-122"/>
-              </a:rPr>
-              <a:t>alter</a:t>
-            </a:r>
-            <a:r>
-              <a:rPr lang="zh-CN" altLang="en-US" sz="1600" dirty="0" smtClean="0">
-                <a:solidFill>
-                  <a:srgbClr val="92D050"/>
-                </a:solidFill>
-                <a:latin typeface="微软雅黑" panose="020B0503020204020204" pitchFamily="34" charset="-122"/>
-                <a:ea typeface="微软雅黑" panose="020B0503020204020204" pitchFamily="34" charset="-122"/>
-              </a:rPr>
-              <a:t>之前，数据页上的记录都满了，但</a:t>
-            </a:r>
-            <a:r>
-              <a:rPr lang="en-US" altLang="zh-CN" sz="1600" dirty="0" smtClean="0">
-                <a:solidFill>
-                  <a:srgbClr val="92D050"/>
-                </a:solidFill>
-                <a:latin typeface="微软雅黑" panose="020B0503020204020204" pitchFamily="34" charset="-122"/>
-                <a:ea typeface="微软雅黑" panose="020B0503020204020204" pitchFamily="34" charset="-122"/>
-              </a:rPr>
-              <a:t>alter</a:t>
-            </a:r>
-            <a:r>
-              <a:rPr lang="zh-CN" altLang="en-US" sz="1600" dirty="0" smtClean="0">
-                <a:solidFill>
-                  <a:srgbClr val="92D050"/>
-                </a:solidFill>
-                <a:latin typeface="微软雅黑" panose="020B0503020204020204" pitchFamily="34" charset="-122"/>
-                <a:ea typeface="微软雅黑" panose="020B0503020204020204" pitchFamily="34" charset="-122"/>
-              </a:rPr>
-              <a:t>时每个数据页会预留</a:t>
-            </a:r>
-            <a:r>
-              <a:rPr lang="en-US" altLang="zh-CN" sz="1600" dirty="0" smtClean="0">
-                <a:solidFill>
-                  <a:srgbClr val="92D050"/>
-                </a:solidFill>
-                <a:latin typeface="微软雅黑" panose="020B0503020204020204" pitchFamily="34" charset="-122"/>
-                <a:ea typeface="微软雅黑" panose="020B0503020204020204" pitchFamily="34" charset="-122"/>
-              </a:rPr>
-              <a:t>1/16</a:t>
-            </a:r>
-            <a:r>
-              <a:rPr lang="zh-CN" altLang="en-US" sz="1600" dirty="0" smtClean="0">
-                <a:solidFill>
-                  <a:srgbClr val="92D050"/>
-                </a:solidFill>
-                <a:latin typeface="微软雅黑" panose="020B0503020204020204" pitchFamily="34" charset="-122"/>
-                <a:ea typeface="微软雅黑" panose="020B0503020204020204" pitchFamily="34" charset="-122"/>
-              </a:rPr>
-              <a:t>，以备更新所用。</a:t>
-            </a:r>
-            <a:endParaRPr lang="en-US" altLang="zh-CN" sz="1600" dirty="0" smtClean="0">
-              <a:solidFill>
-                <a:srgbClr val="92D050"/>
-              </a:solidFill>
-              <a:latin typeface="微软雅黑" panose="020B0503020204020204" pitchFamily="34" charset="-122"/>
-              <a:ea typeface="微软雅黑" panose="020B0503020204020204" pitchFamily="34" charset="-122"/>
-            </a:endParaRPr>
-          </a:p>
-          <a:p>
-            <a:r>
-              <a:rPr lang="zh-CN" altLang="en-US" sz="1600" dirty="0" smtClean="0">
-                <a:solidFill>
-                  <a:srgbClr val="92D050"/>
-                </a:solidFill>
-                <a:latin typeface="微软雅黑" panose="020B0503020204020204" pitchFamily="34" charset="-122"/>
-                <a:ea typeface="微软雅黑" panose="020B0503020204020204" pitchFamily="34" charset="-122"/>
-              </a:rPr>
-              <a:t>所以重建表之后不是“最”紧凑的</a:t>
-            </a:r>
-            <a:endParaRPr lang="en-US" altLang="zh-CN" sz="1600" dirty="0" smtClean="0">
-              <a:solidFill>
-                <a:srgbClr val="92D050"/>
-              </a:solidFill>
-              <a:latin typeface="微软雅黑" panose="020B0503020204020204" pitchFamily="34" charset="-122"/>
-              <a:ea typeface="微软雅黑" panose="020B0503020204020204" pitchFamily="34" charset="-122"/>
-            </a:endParaRPr>
-          </a:p>
-        </p:txBody>
-      </p:sp>
-    </p:spTree>
-    <p:extLst>
-      <p:ext uri="{BB962C8B-B14F-4D97-AF65-F5344CB8AC3E}">
-        <p14:creationId xmlns:p14="http://schemas.microsoft.com/office/powerpoint/2010/main" val="1921168824"/>
       </p:ext>
     </p:extLst>
   </p:cSld>
